--- a/Presentation/Virtual.Backdrop.pptx
+++ b/Presentation/Virtual.Backdrop.pptx
@@ -5,8 +5,11 @@
     <p:sldMasterId id="2147483648" r:id="rId2"/>
     <p:sldMasterId id="2147483660" r:id="rId3"/>
   </p:sldMasterIdLst>
+  <p:notesMasterIdLst>
+    <p:notesMasterId r:id="rId17"/>
+  </p:notesMasterIdLst>
   <p:handoutMasterIdLst>
-    <p:handoutMasterId r:id="rId16"/>
+    <p:handoutMasterId r:id="rId18"/>
   </p:handoutMasterIdLst>
   <p:sldIdLst>
     <p:sldId id="256" r:id="rId4"/>
@@ -17,10 +20,11 @@
     <p:sldId id="259" r:id="rId9"/>
     <p:sldId id="270" r:id="rId10"/>
     <p:sldId id="260" r:id="rId11"/>
-    <p:sldId id="261" r:id="rId12"/>
-    <p:sldId id="262" r:id="rId13"/>
-    <p:sldId id="267" r:id="rId14"/>
-    <p:sldId id="271" r:id="rId15"/>
+    <p:sldId id="272" r:id="rId12"/>
+    <p:sldId id="261" r:id="rId13"/>
+    <p:sldId id="262" r:id="rId14"/>
+    <p:sldId id="267" r:id="rId15"/>
+    <p:sldId id="271" r:id="rId16"/>
   </p:sldIdLst>
   <p:sldSz cx="9144000" cy="6858000" type="screen4x3"/>
   <p:notesSz cx="6858000" cy="9144000"/>
@@ -121,7 +125,7 @@
   </p:defaultTextStyle>
   <p:extLst>
     <p:ext uri="{EFAFB233-063F-42B5-8137-9DF3F51BA10A}">
-      <p15:sldGuideLst xmlns:p15="http://schemas.microsoft.com/office/powerpoint/2012/main">
+      <p15:sldGuideLst xmlns:p15="http://schemas.microsoft.com/office/powerpoint/2012/main" xmlns="">
         <p15:guide id="1" orient="horz" pos="2160">
           <p15:clr>
             <a:srgbClr val="A4A3A4"/>
@@ -135,7 +139,7 @@
       </p15:sldGuideLst>
     </p:ext>
     <p:ext uri="{2D200454-40CA-4A62-9FC3-DE9A4176ACB9}">
-      <p15:notesGuideLst xmlns:p15="http://schemas.microsoft.com/office/powerpoint/2012/main">
+      <p15:notesGuideLst xmlns:p15="http://schemas.microsoft.com/office/powerpoint/2012/main" xmlns="">
         <p15:guide id="1" orient="horz" pos="2880">
           <p15:clr>
             <a:srgbClr val="A4A3A4"/>
@@ -235,7 +239,7 @@
             <a:fld id="{0E4FF8FC-8473-4DFD-87CC-D576DA80B410}" type="datetimeFigureOut">
               <a:rPr lang="en-US" smtClean="0"/>
               <a:pPr/>
-              <a:t>2/22/2016</a:t>
+              <a:t>2/24/2016</a:t>
             </a:fld>
             <a:endParaRPr lang="en-US"/>
           </a:p>
@@ -317,6 +321,784 @@
   </p:cSld>
   <p:clrMap bg1="lt1" tx1="dk1" bg2="lt2" tx2="dk2" accent1="accent1" accent2="accent2" accent3="accent3" accent4="accent4" accent5="accent5" accent6="accent6" hlink="hlink" folHlink="folHlink"/>
 </p:handoutMaster>
+</file>
+
+<file path=ppt/notesMasters/notesMaster1.xml><?xml version="1.0" encoding="utf-8"?>
+<p:notesMaster xmlns:a="http://schemas.openxmlformats.org/drawingml/2006/main" xmlns:r="http://schemas.openxmlformats.org/officeDocument/2006/relationships" xmlns:p="http://schemas.openxmlformats.org/presentationml/2006/main">
+  <p:cSld>
+    <p:bg>
+      <p:bgRef idx="1001">
+        <a:schemeClr val="bg1"/>
+      </p:bgRef>
+    </p:bg>
+    <p:spTree>
+      <p:nvGrpSpPr>
+        <p:cNvPr id="1" name=""/>
+        <p:cNvGrpSpPr/>
+        <p:nvPr/>
+      </p:nvGrpSpPr>
+      <p:grpSpPr>
+        <a:xfrm>
+          <a:off x="0" y="0"/>
+          <a:ext cx="0" cy="0"/>
+          <a:chOff x="0" y="0"/>
+          <a:chExt cx="0" cy="0"/>
+        </a:xfrm>
+      </p:grpSpPr>
+      <p:sp>
+        <p:nvSpPr>
+          <p:cNvPr id="2" name="Header Placeholder 1"/>
+          <p:cNvSpPr>
+            <a:spLocks noGrp="1"/>
+          </p:cNvSpPr>
+          <p:nvPr>
+            <p:ph type="hdr" sz="quarter"/>
+          </p:nvPr>
+        </p:nvSpPr>
+        <p:spPr>
+          <a:xfrm>
+            <a:off x="0" y="0"/>
+            <a:ext cx="2971800" cy="457200"/>
+          </a:xfrm>
+          <a:prstGeom prst="rect">
+            <a:avLst/>
+          </a:prstGeom>
+        </p:spPr>
+        <p:txBody>
+          <a:bodyPr vert="horz" lIns="91440" tIns="45720" rIns="91440" bIns="45720" rtlCol="0"/>
+          <a:lstStyle>
+            <a:lvl1pPr algn="l">
+              <a:defRPr sz="1200"/>
+            </a:lvl1pPr>
+          </a:lstStyle>
+          <a:p>
+            <a:endParaRPr lang="en-US"/>
+          </a:p>
+        </p:txBody>
+      </p:sp>
+      <p:sp>
+        <p:nvSpPr>
+          <p:cNvPr id="3" name="Date Placeholder 2"/>
+          <p:cNvSpPr>
+            <a:spLocks noGrp="1"/>
+          </p:cNvSpPr>
+          <p:nvPr>
+            <p:ph type="dt" idx="1"/>
+          </p:nvPr>
+        </p:nvSpPr>
+        <p:spPr>
+          <a:xfrm>
+            <a:off x="3884613" y="0"/>
+            <a:ext cx="2971800" cy="457200"/>
+          </a:xfrm>
+          <a:prstGeom prst="rect">
+            <a:avLst/>
+          </a:prstGeom>
+        </p:spPr>
+        <p:txBody>
+          <a:bodyPr vert="horz" lIns="91440" tIns="45720" rIns="91440" bIns="45720" rtlCol="0"/>
+          <a:lstStyle>
+            <a:lvl1pPr algn="r">
+              <a:defRPr sz="1200"/>
+            </a:lvl1pPr>
+          </a:lstStyle>
+          <a:p>
+            <a:fld id="{53D1D363-D864-4D1C-AADD-E5DE4640600D}" type="datetimeFigureOut">
+              <a:rPr lang="en-US" smtClean="0"/>
+              <a:t>2/24/2016</a:t>
+            </a:fld>
+            <a:endParaRPr lang="en-US"/>
+          </a:p>
+        </p:txBody>
+      </p:sp>
+      <p:sp>
+        <p:nvSpPr>
+          <p:cNvPr id="4" name="Slide Image Placeholder 3"/>
+          <p:cNvSpPr>
+            <a:spLocks noGrp="1" noRot="1" noChangeAspect="1"/>
+          </p:cNvSpPr>
+          <p:nvPr>
+            <p:ph type="sldImg" idx="2"/>
+          </p:nvPr>
+        </p:nvSpPr>
+        <p:spPr>
+          <a:xfrm>
+            <a:off x="1143000" y="685800"/>
+            <a:ext cx="4572000" cy="3429000"/>
+          </a:xfrm>
+          <a:prstGeom prst="rect">
+            <a:avLst/>
+          </a:prstGeom>
+          <a:noFill/>
+          <a:ln w="12700">
+            <a:solidFill>
+              <a:prstClr val="black"/>
+            </a:solidFill>
+          </a:ln>
+        </p:spPr>
+        <p:txBody>
+          <a:bodyPr vert="horz" lIns="91440" tIns="45720" rIns="91440" bIns="45720" rtlCol="0" anchor="ctr"/>
+          <a:lstStyle/>
+          <a:p>
+            <a:endParaRPr lang="en-US"/>
+          </a:p>
+        </p:txBody>
+      </p:sp>
+      <p:sp>
+        <p:nvSpPr>
+          <p:cNvPr id="5" name="Notes Placeholder 4"/>
+          <p:cNvSpPr>
+            <a:spLocks noGrp="1"/>
+          </p:cNvSpPr>
+          <p:nvPr>
+            <p:ph type="body" sz="quarter" idx="3"/>
+          </p:nvPr>
+        </p:nvSpPr>
+        <p:spPr>
+          <a:xfrm>
+            <a:off x="685800" y="4343400"/>
+            <a:ext cx="5486400" cy="4114800"/>
+          </a:xfrm>
+          <a:prstGeom prst="rect">
+            <a:avLst/>
+          </a:prstGeom>
+        </p:spPr>
+        <p:txBody>
+          <a:bodyPr vert="horz" lIns="91440" tIns="45720" rIns="91440" bIns="45720" rtlCol="0"/>
+          <a:lstStyle/>
+          <a:p>
+            <a:pPr lvl="0"/>
+            <a:r>
+              <a:rPr lang="en-US" smtClean="0"/>
+              <a:t>Click to edit Master text styles</a:t>
+            </a:r>
+          </a:p>
+          <a:p>
+            <a:pPr lvl="1"/>
+            <a:r>
+              <a:rPr lang="en-US" smtClean="0"/>
+              <a:t>Second level</a:t>
+            </a:r>
+          </a:p>
+          <a:p>
+            <a:pPr lvl="2"/>
+            <a:r>
+              <a:rPr lang="en-US" smtClean="0"/>
+              <a:t>Third level</a:t>
+            </a:r>
+          </a:p>
+          <a:p>
+            <a:pPr lvl="3"/>
+            <a:r>
+              <a:rPr lang="en-US" smtClean="0"/>
+              <a:t>Fourth level</a:t>
+            </a:r>
+          </a:p>
+          <a:p>
+            <a:pPr lvl="4"/>
+            <a:r>
+              <a:rPr lang="en-US" smtClean="0"/>
+              <a:t>Fifth level</a:t>
+            </a:r>
+            <a:endParaRPr lang="en-US"/>
+          </a:p>
+        </p:txBody>
+      </p:sp>
+      <p:sp>
+        <p:nvSpPr>
+          <p:cNvPr id="6" name="Footer Placeholder 5"/>
+          <p:cNvSpPr>
+            <a:spLocks noGrp="1"/>
+          </p:cNvSpPr>
+          <p:nvPr>
+            <p:ph type="ftr" sz="quarter" idx="4"/>
+          </p:nvPr>
+        </p:nvSpPr>
+        <p:spPr>
+          <a:xfrm>
+            <a:off x="0" y="8685213"/>
+            <a:ext cx="2971800" cy="457200"/>
+          </a:xfrm>
+          <a:prstGeom prst="rect">
+            <a:avLst/>
+          </a:prstGeom>
+        </p:spPr>
+        <p:txBody>
+          <a:bodyPr vert="horz" lIns="91440" tIns="45720" rIns="91440" bIns="45720" rtlCol="0" anchor="b"/>
+          <a:lstStyle>
+            <a:lvl1pPr algn="l">
+              <a:defRPr sz="1200"/>
+            </a:lvl1pPr>
+          </a:lstStyle>
+          <a:p>
+            <a:endParaRPr lang="en-US"/>
+          </a:p>
+        </p:txBody>
+      </p:sp>
+      <p:sp>
+        <p:nvSpPr>
+          <p:cNvPr id="7" name="Slide Number Placeholder 6"/>
+          <p:cNvSpPr>
+            <a:spLocks noGrp="1"/>
+          </p:cNvSpPr>
+          <p:nvPr>
+            <p:ph type="sldNum" sz="quarter" idx="5"/>
+          </p:nvPr>
+        </p:nvSpPr>
+        <p:spPr>
+          <a:xfrm>
+            <a:off x="3884613" y="8685213"/>
+            <a:ext cx="2971800" cy="457200"/>
+          </a:xfrm>
+          <a:prstGeom prst="rect">
+            <a:avLst/>
+          </a:prstGeom>
+        </p:spPr>
+        <p:txBody>
+          <a:bodyPr vert="horz" lIns="91440" tIns="45720" rIns="91440" bIns="45720" rtlCol="0" anchor="b"/>
+          <a:lstStyle>
+            <a:lvl1pPr algn="r">
+              <a:defRPr sz="1200"/>
+            </a:lvl1pPr>
+          </a:lstStyle>
+          <a:p>
+            <a:fld id="{45998F34-B21C-429F-AE4E-ED4EFCC7313F}" type="slidenum">
+              <a:rPr lang="en-US" smtClean="0"/>
+              <a:t>‹#›</a:t>
+            </a:fld>
+            <a:endParaRPr lang="en-US"/>
+          </a:p>
+        </p:txBody>
+      </p:sp>
+    </p:spTree>
+    <p:extLst>
+      <p:ext uri="{BB962C8B-B14F-4D97-AF65-F5344CB8AC3E}">
+        <p14:creationId xmlns:p14="http://schemas.microsoft.com/office/powerpoint/2010/main" val="2234962119"/>
+      </p:ext>
+    </p:extLst>
+  </p:cSld>
+  <p:clrMap bg1="lt1" tx1="dk1" bg2="lt2" tx2="dk2" accent1="accent1" accent2="accent2" accent3="accent3" accent4="accent4" accent5="accent5" accent6="accent6" hlink="hlink" folHlink="folHlink"/>
+  <p:notesStyle>
+    <a:lvl1pPr marL="0" algn="l" defTabSz="914400" rtl="0" eaLnBrk="1" latinLnBrk="0" hangingPunct="1">
+      <a:defRPr sz="1200" kern="1200">
+        <a:solidFill>
+          <a:schemeClr val="tx1"/>
+        </a:solidFill>
+        <a:latin typeface="+mn-lt"/>
+        <a:ea typeface="+mn-ea"/>
+        <a:cs typeface="+mn-cs"/>
+      </a:defRPr>
+    </a:lvl1pPr>
+    <a:lvl2pPr marL="457200" algn="l" defTabSz="914400" rtl="0" eaLnBrk="1" latinLnBrk="0" hangingPunct="1">
+      <a:defRPr sz="1200" kern="1200">
+        <a:solidFill>
+          <a:schemeClr val="tx1"/>
+        </a:solidFill>
+        <a:latin typeface="+mn-lt"/>
+        <a:ea typeface="+mn-ea"/>
+        <a:cs typeface="+mn-cs"/>
+      </a:defRPr>
+    </a:lvl2pPr>
+    <a:lvl3pPr marL="914400" algn="l" defTabSz="914400" rtl="0" eaLnBrk="1" latinLnBrk="0" hangingPunct="1">
+      <a:defRPr sz="1200" kern="1200">
+        <a:solidFill>
+          <a:schemeClr val="tx1"/>
+        </a:solidFill>
+        <a:latin typeface="+mn-lt"/>
+        <a:ea typeface="+mn-ea"/>
+        <a:cs typeface="+mn-cs"/>
+      </a:defRPr>
+    </a:lvl3pPr>
+    <a:lvl4pPr marL="1371600" algn="l" defTabSz="914400" rtl="0" eaLnBrk="1" latinLnBrk="0" hangingPunct="1">
+      <a:defRPr sz="1200" kern="1200">
+        <a:solidFill>
+          <a:schemeClr val="tx1"/>
+        </a:solidFill>
+        <a:latin typeface="+mn-lt"/>
+        <a:ea typeface="+mn-ea"/>
+        <a:cs typeface="+mn-cs"/>
+      </a:defRPr>
+    </a:lvl4pPr>
+    <a:lvl5pPr marL="1828800" algn="l" defTabSz="914400" rtl="0" eaLnBrk="1" latinLnBrk="0" hangingPunct="1">
+      <a:defRPr sz="1200" kern="1200">
+        <a:solidFill>
+          <a:schemeClr val="tx1"/>
+        </a:solidFill>
+        <a:latin typeface="+mn-lt"/>
+        <a:ea typeface="+mn-ea"/>
+        <a:cs typeface="+mn-cs"/>
+      </a:defRPr>
+    </a:lvl5pPr>
+    <a:lvl6pPr marL="2286000" algn="l" defTabSz="914400" rtl="0" eaLnBrk="1" latinLnBrk="0" hangingPunct="1">
+      <a:defRPr sz="1200" kern="1200">
+        <a:solidFill>
+          <a:schemeClr val="tx1"/>
+        </a:solidFill>
+        <a:latin typeface="+mn-lt"/>
+        <a:ea typeface="+mn-ea"/>
+        <a:cs typeface="+mn-cs"/>
+      </a:defRPr>
+    </a:lvl6pPr>
+    <a:lvl7pPr marL="2743200" algn="l" defTabSz="914400" rtl="0" eaLnBrk="1" latinLnBrk="0" hangingPunct="1">
+      <a:defRPr sz="1200" kern="1200">
+        <a:solidFill>
+          <a:schemeClr val="tx1"/>
+        </a:solidFill>
+        <a:latin typeface="+mn-lt"/>
+        <a:ea typeface="+mn-ea"/>
+        <a:cs typeface="+mn-cs"/>
+      </a:defRPr>
+    </a:lvl7pPr>
+    <a:lvl8pPr marL="3200400" algn="l" defTabSz="914400" rtl="0" eaLnBrk="1" latinLnBrk="0" hangingPunct="1">
+      <a:defRPr sz="1200" kern="1200">
+        <a:solidFill>
+          <a:schemeClr val="tx1"/>
+        </a:solidFill>
+        <a:latin typeface="+mn-lt"/>
+        <a:ea typeface="+mn-ea"/>
+        <a:cs typeface="+mn-cs"/>
+      </a:defRPr>
+    </a:lvl8pPr>
+    <a:lvl9pPr marL="3657600" algn="l" defTabSz="914400" rtl="0" eaLnBrk="1" latinLnBrk="0" hangingPunct="1">
+      <a:defRPr sz="1200" kern="1200">
+        <a:solidFill>
+          <a:schemeClr val="tx1"/>
+        </a:solidFill>
+        <a:latin typeface="+mn-lt"/>
+        <a:ea typeface="+mn-ea"/>
+        <a:cs typeface="+mn-cs"/>
+      </a:defRPr>
+    </a:lvl9pPr>
+  </p:notesStyle>
+</p:notesMaster>
+</file>
+
+<file path=ppt/notesSlides/notesSlide1.xml><?xml version="1.0" encoding="utf-8"?>
+<p:notes xmlns:a="http://schemas.openxmlformats.org/drawingml/2006/main" xmlns:r="http://schemas.openxmlformats.org/officeDocument/2006/relationships" xmlns:p="http://schemas.openxmlformats.org/presentationml/2006/main">
+  <p:cSld>
+    <p:spTree>
+      <p:nvGrpSpPr>
+        <p:cNvPr id="1" name=""/>
+        <p:cNvGrpSpPr/>
+        <p:nvPr/>
+      </p:nvGrpSpPr>
+      <p:grpSpPr>
+        <a:xfrm>
+          <a:off x="0" y="0"/>
+          <a:ext cx="0" cy="0"/>
+          <a:chOff x="0" y="0"/>
+          <a:chExt cx="0" cy="0"/>
+        </a:xfrm>
+      </p:grpSpPr>
+      <p:sp>
+        <p:nvSpPr>
+          <p:cNvPr id="2" name="Slide Image Placeholder 1"/>
+          <p:cNvSpPr>
+            <a:spLocks noGrp="1" noRot="1" noChangeAspect="1"/>
+          </p:cNvSpPr>
+          <p:nvPr>
+            <p:ph type="sldImg"/>
+          </p:nvPr>
+        </p:nvSpPr>
+        <p:spPr/>
+      </p:sp>
+      <p:sp>
+        <p:nvSpPr>
+          <p:cNvPr id="3" name="Notes Placeholder 2"/>
+          <p:cNvSpPr>
+            <a:spLocks noGrp="1"/>
+          </p:cNvSpPr>
+          <p:nvPr>
+            <p:ph type="body" idx="1"/>
+          </p:nvPr>
+        </p:nvSpPr>
+        <p:spPr/>
+        <p:txBody>
+          <a:bodyPr/>
+          <a:lstStyle/>
+          <a:p>
+            <a:endParaRPr lang="en-US" baseline="0" dirty="0" smtClean="0"/>
+          </a:p>
+        </p:txBody>
+      </p:sp>
+      <p:sp>
+        <p:nvSpPr>
+          <p:cNvPr id="4" name="Slide Number Placeholder 3"/>
+          <p:cNvSpPr>
+            <a:spLocks noGrp="1"/>
+          </p:cNvSpPr>
+          <p:nvPr>
+            <p:ph type="sldNum" sz="quarter" idx="10"/>
+          </p:nvPr>
+        </p:nvSpPr>
+        <p:spPr/>
+        <p:txBody>
+          <a:bodyPr/>
+          <a:lstStyle/>
+          <a:p>
+            <a:fld id="{45998F34-B21C-429F-AE4E-ED4EFCC7313F}" type="slidenum">
+              <a:rPr lang="en-US" smtClean="0"/>
+              <a:t>9</a:t>
+            </a:fld>
+            <a:endParaRPr lang="en-US"/>
+          </a:p>
+        </p:txBody>
+      </p:sp>
+    </p:spTree>
+    <p:extLst>
+      <p:ext uri="{BB962C8B-B14F-4D97-AF65-F5344CB8AC3E}">
+        <p14:creationId xmlns:p14="http://schemas.microsoft.com/office/powerpoint/2010/main" val="3904963225"/>
+      </p:ext>
+    </p:extLst>
+  </p:cSld>
+  <p:clrMapOvr>
+    <a:masterClrMapping/>
+  </p:clrMapOvr>
+</p:notes>
+</file>
+
+<file path=ppt/notesSlides/notesSlide2.xml><?xml version="1.0" encoding="utf-8"?>
+<p:notes xmlns:a="http://schemas.openxmlformats.org/drawingml/2006/main" xmlns:r="http://schemas.openxmlformats.org/officeDocument/2006/relationships" xmlns:p="http://schemas.openxmlformats.org/presentationml/2006/main">
+  <p:cSld>
+    <p:spTree>
+      <p:nvGrpSpPr>
+        <p:cNvPr id="1" name=""/>
+        <p:cNvGrpSpPr/>
+        <p:nvPr/>
+      </p:nvGrpSpPr>
+      <p:grpSpPr>
+        <a:xfrm>
+          <a:off x="0" y="0"/>
+          <a:ext cx="0" cy="0"/>
+          <a:chOff x="0" y="0"/>
+          <a:chExt cx="0" cy="0"/>
+        </a:xfrm>
+      </p:grpSpPr>
+      <p:sp>
+        <p:nvSpPr>
+          <p:cNvPr id="2" name="Slide Image Placeholder 1"/>
+          <p:cNvSpPr>
+            <a:spLocks noGrp="1" noRot="1" noChangeAspect="1"/>
+          </p:cNvSpPr>
+          <p:nvPr>
+            <p:ph type="sldImg"/>
+          </p:nvPr>
+        </p:nvSpPr>
+        <p:spPr/>
+      </p:sp>
+      <p:sp>
+        <p:nvSpPr>
+          <p:cNvPr id="3" name="Notes Placeholder 2"/>
+          <p:cNvSpPr>
+            <a:spLocks noGrp="1"/>
+          </p:cNvSpPr>
+          <p:nvPr>
+            <p:ph type="body" idx="1"/>
+          </p:nvPr>
+        </p:nvSpPr>
+        <p:spPr/>
+        <p:txBody>
+          <a:bodyPr/>
+          <a:lstStyle/>
+          <a:p>
+            <a:endParaRPr lang="en-US" dirty="0"/>
+          </a:p>
+        </p:txBody>
+      </p:sp>
+      <p:sp>
+        <p:nvSpPr>
+          <p:cNvPr id="4" name="Slide Number Placeholder 3"/>
+          <p:cNvSpPr>
+            <a:spLocks noGrp="1"/>
+          </p:cNvSpPr>
+          <p:nvPr>
+            <p:ph type="sldNum" sz="quarter" idx="10"/>
+          </p:nvPr>
+        </p:nvSpPr>
+        <p:spPr/>
+        <p:txBody>
+          <a:bodyPr/>
+          <a:lstStyle/>
+          <a:p>
+            <a:fld id="{45998F34-B21C-429F-AE4E-ED4EFCC7313F}" type="slidenum">
+              <a:rPr lang="en-US" smtClean="0"/>
+              <a:t>10</a:t>
+            </a:fld>
+            <a:endParaRPr lang="en-US"/>
+          </a:p>
+        </p:txBody>
+      </p:sp>
+    </p:spTree>
+    <p:extLst>
+      <p:ext uri="{BB962C8B-B14F-4D97-AF65-F5344CB8AC3E}">
+        <p14:creationId xmlns:p14="http://schemas.microsoft.com/office/powerpoint/2010/main" val="2850560188"/>
+      </p:ext>
+    </p:extLst>
+  </p:cSld>
+  <p:clrMapOvr>
+    <a:masterClrMapping/>
+  </p:clrMapOvr>
+</p:notes>
+</file>
+
+<file path=ppt/notesSlides/notesSlide3.xml><?xml version="1.0" encoding="utf-8"?>
+<p:notes xmlns:a="http://schemas.openxmlformats.org/drawingml/2006/main" xmlns:r="http://schemas.openxmlformats.org/officeDocument/2006/relationships" xmlns:p="http://schemas.openxmlformats.org/presentationml/2006/main">
+  <p:cSld>
+    <p:spTree>
+      <p:nvGrpSpPr>
+        <p:cNvPr id="1" name=""/>
+        <p:cNvGrpSpPr/>
+        <p:nvPr/>
+      </p:nvGrpSpPr>
+      <p:grpSpPr>
+        <a:xfrm>
+          <a:off x="0" y="0"/>
+          <a:ext cx="0" cy="0"/>
+          <a:chOff x="0" y="0"/>
+          <a:chExt cx="0" cy="0"/>
+        </a:xfrm>
+      </p:grpSpPr>
+      <p:sp>
+        <p:nvSpPr>
+          <p:cNvPr id="2" name="Slide Image Placeholder 1"/>
+          <p:cNvSpPr>
+            <a:spLocks noGrp="1" noRot="1" noChangeAspect="1"/>
+          </p:cNvSpPr>
+          <p:nvPr>
+            <p:ph type="sldImg"/>
+          </p:nvPr>
+        </p:nvSpPr>
+        <p:spPr/>
+      </p:sp>
+      <p:sp>
+        <p:nvSpPr>
+          <p:cNvPr id="3" name="Notes Placeholder 2"/>
+          <p:cNvSpPr>
+            <a:spLocks noGrp="1"/>
+          </p:cNvSpPr>
+          <p:nvPr>
+            <p:ph type="body" idx="1"/>
+          </p:nvPr>
+        </p:nvSpPr>
+        <p:spPr/>
+        <p:txBody>
+          <a:bodyPr/>
+          <a:lstStyle/>
+          <a:p>
+            <a:endParaRPr lang="en-US" dirty="0"/>
+          </a:p>
+        </p:txBody>
+      </p:sp>
+      <p:sp>
+        <p:nvSpPr>
+          <p:cNvPr id="4" name="Slide Number Placeholder 3"/>
+          <p:cNvSpPr>
+            <a:spLocks noGrp="1"/>
+          </p:cNvSpPr>
+          <p:nvPr>
+            <p:ph type="sldNum" sz="quarter" idx="10"/>
+          </p:nvPr>
+        </p:nvSpPr>
+        <p:spPr/>
+        <p:txBody>
+          <a:bodyPr/>
+          <a:lstStyle/>
+          <a:p>
+            <a:fld id="{45998F34-B21C-429F-AE4E-ED4EFCC7313F}" type="slidenum">
+              <a:rPr lang="en-US" smtClean="0"/>
+              <a:t>11</a:t>
+            </a:fld>
+            <a:endParaRPr lang="en-US"/>
+          </a:p>
+        </p:txBody>
+      </p:sp>
+    </p:spTree>
+    <p:extLst>
+      <p:ext uri="{BB962C8B-B14F-4D97-AF65-F5344CB8AC3E}">
+        <p14:creationId xmlns:p14="http://schemas.microsoft.com/office/powerpoint/2010/main" val="3502389443"/>
+      </p:ext>
+    </p:extLst>
+  </p:cSld>
+  <p:clrMapOvr>
+    <a:masterClrMapping/>
+  </p:clrMapOvr>
+</p:notes>
+</file>
+
+<file path=ppt/notesSlides/notesSlide4.xml><?xml version="1.0" encoding="utf-8"?>
+<p:notes xmlns:a="http://schemas.openxmlformats.org/drawingml/2006/main" xmlns:r="http://schemas.openxmlformats.org/officeDocument/2006/relationships" xmlns:p="http://schemas.openxmlformats.org/presentationml/2006/main">
+  <p:cSld>
+    <p:spTree>
+      <p:nvGrpSpPr>
+        <p:cNvPr id="1" name=""/>
+        <p:cNvGrpSpPr/>
+        <p:nvPr/>
+      </p:nvGrpSpPr>
+      <p:grpSpPr>
+        <a:xfrm>
+          <a:off x="0" y="0"/>
+          <a:ext cx="0" cy="0"/>
+          <a:chOff x="0" y="0"/>
+          <a:chExt cx="0" cy="0"/>
+        </a:xfrm>
+      </p:grpSpPr>
+      <p:sp>
+        <p:nvSpPr>
+          <p:cNvPr id="2" name="Slide Image Placeholder 1"/>
+          <p:cNvSpPr>
+            <a:spLocks noGrp="1" noRot="1" noChangeAspect="1"/>
+          </p:cNvSpPr>
+          <p:nvPr>
+            <p:ph type="sldImg"/>
+          </p:nvPr>
+        </p:nvSpPr>
+        <p:spPr/>
+      </p:sp>
+      <p:sp>
+        <p:nvSpPr>
+          <p:cNvPr id="3" name="Notes Placeholder 2"/>
+          <p:cNvSpPr>
+            <a:spLocks noGrp="1"/>
+          </p:cNvSpPr>
+          <p:nvPr>
+            <p:ph type="body" idx="1"/>
+          </p:nvPr>
+        </p:nvSpPr>
+        <p:spPr/>
+        <p:txBody>
+          <a:bodyPr/>
+          <a:lstStyle/>
+          <a:p>
+            <a:endParaRPr lang="en-US" dirty="0"/>
+          </a:p>
+        </p:txBody>
+      </p:sp>
+      <p:sp>
+        <p:nvSpPr>
+          <p:cNvPr id="4" name="Slide Number Placeholder 3"/>
+          <p:cNvSpPr>
+            <a:spLocks noGrp="1"/>
+          </p:cNvSpPr>
+          <p:nvPr>
+            <p:ph type="sldNum" sz="quarter" idx="10"/>
+          </p:nvPr>
+        </p:nvSpPr>
+        <p:spPr/>
+        <p:txBody>
+          <a:bodyPr/>
+          <a:lstStyle/>
+          <a:p>
+            <a:fld id="{45998F34-B21C-429F-AE4E-ED4EFCC7313F}" type="slidenum">
+              <a:rPr lang="en-US" smtClean="0"/>
+              <a:t>12</a:t>
+            </a:fld>
+            <a:endParaRPr lang="en-US"/>
+          </a:p>
+        </p:txBody>
+      </p:sp>
+    </p:spTree>
+    <p:extLst>
+      <p:ext uri="{BB962C8B-B14F-4D97-AF65-F5344CB8AC3E}">
+        <p14:creationId xmlns:p14="http://schemas.microsoft.com/office/powerpoint/2010/main" val="1188843170"/>
+      </p:ext>
+    </p:extLst>
+  </p:cSld>
+  <p:clrMapOvr>
+    <a:masterClrMapping/>
+  </p:clrMapOvr>
+</p:notes>
+</file>
+
+<file path=ppt/notesSlides/notesSlide5.xml><?xml version="1.0" encoding="utf-8"?>
+<p:notes xmlns:a="http://schemas.openxmlformats.org/drawingml/2006/main" xmlns:r="http://schemas.openxmlformats.org/officeDocument/2006/relationships" xmlns:p="http://schemas.openxmlformats.org/presentationml/2006/main">
+  <p:cSld>
+    <p:spTree>
+      <p:nvGrpSpPr>
+        <p:cNvPr id="1" name=""/>
+        <p:cNvGrpSpPr/>
+        <p:nvPr/>
+      </p:nvGrpSpPr>
+      <p:grpSpPr>
+        <a:xfrm>
+          <a:off x="0" y="0"/>
+          <a:ext cx="0" cy="0"/>
+          <a:chOff x="0" y="0"/>
+          <a:chExt cx="0" cy="0"/>
+        </a:xfrm>
+      </p:grpSpPr>
+      <p:sp>
+        <p:nvSpPr>
+          <p:cNvPr id="2" name="Slide Image Placeholder 1"/>
+          <p:cNvSpPr>
+            <a:spLocks noGrp="1" noRot="1" noChangeAspect="1"/>
+          </p:cNvSpPr>
+          <p:nvPr>
+            <p:ph type="sldImg"/>
+          </p:nvPr>
+        </p:nvSpPr>
+        <p:spPr/>
+      </p:sp>
+      <p:sp>
+        <p:nvSpPr>
+          <p:cNvPr id="3" name="Notes Placeholder 2"/>
+          <p:cNvSpPr>
+            <a:spLocks noGrp="1"/>
+          </p:cNvSpPr>
+          <p:nvPr>
+            <p:ph type="body" idx="1"/>
+          </p:nvPr>
+        </p:nvSpPr>
+        <p:spPr/>
+        <p:txBody>
+          <a:bodyPr/>
+          <a:lstStyle/>
+          <a:p>
+            <a:r>
+              <a:rPr lang="en-US" dirty="0" smtClean="0"/>
+              <a:t>This concludes</a:t>
+            </a:r>
+            <a:r>
+              <a:rPr lang="en-US" baseline="0" dirty="0" smtClean="0"/>
+              <a:t> our project presentation. If you have questions, you may contact any of us via black board. </a:t>
+            </a:r>
+            <a:endParaRPr lang="en-US" dirty="0"/>
+          </a:p>
+        </p:txBody>
+      </p:sp>
+      <p:sp>
+        <p:nvSpPr>
+          <p:cNvPr id="4" name="Slide Number Placeholder 3"/>
+          <p:cNvSpPr>
+            <a:spLocks noGrp="1"/>
+          </p:cNvSpPr>
+          <p:nvPr>
+            <p:ph type="sldNum" sz="quarter" idx="10"/>
+          </p:nvPr>
+        </p:nvSpPr>
+        <p:spPr/>
+        <p:txBody>
+          <a:bodyPr/>
+          <a:lstStyle/>
+          <a:p>
+            <a:fld id="{45998F34-B21C-429F-AE4E-ED4EFCC7313F}" type="slidenum">
+              <a:rPr lang="en-US" smtClean="0"/>
+              <a:t>13</a:t>
+            </a:fld>
+            <a:endParaRPr lang="en-US"/>
+          </a:p>
+        </p:txBody>
+      </p:sp>
+    </p:spTree>
+    <p:extLst>
+      <p:ext uri="{BB962C8B-B14F-4D97-AF65-F5344CB8AC3E}">
+        <p14:creationId xmlns:p14="http://schemas.microsoft.com/office/powerpoint/2010/main" val="1036716410"/>
+      </p:ext>
+    </p:extLst>
+  </p:cSld>
+  <p:clrMapOvr>
+    <a:masterClrMapping/>
+  </p:clrMapOvr>
+</p:notes>
 </file>
 
 <file path=ppt/slideLayouts/slideLayout1.xml><?xml version="1.0" encoding="utf-8"?>
@@ -876,7 +1658,7 @@
             <a:fld id="{11188646-8CEC-4AE4-B1E7-ADF9D885FD96}" type="datetimeFigureOut">
               <a:rPr lang="en-US" smtClean="0"/>
               <a:pPr/>
-              <a:t>2/22/2016</a:t>
+              <a:t>2/24/2016</a:t>
             </a:fld>
             <a:endParaRPr lang="en-US"/>
           </a:p>
@@ -1949,7 +2731,7 @@
             <a:fld id="{11188646-8CEC-4AE4-B1E7-ADF9D885FD96}" type="datetimeFigureOut">
               <a:rPr lang="en-US" smtClean="0"/>
               <a:pPr/>
-              <a:t>2/22/2016</a:t>
+              <a:t>2/24/2016</a:t>
             </a:fld>
             <a:endParaRPr lang="en-US"/>
           </a:p>
@@ -2126,7 +2908,7 @@
             <a:fld id="{11188646-8CEC-4AE4-B1E7-ADF9D885FD96}" type="datetimeFigureOut">
               <a:rPr lang="en-US" smtClean="0"/>
               <a:pPr/>
-              <a:t>2/22/2016</a:t>
+              <a:t>2/24/2016</a:t>
             </a:fld>
             <a:endParaRPr lang="en-US"/>
           </a:p>
@@ -2365,7 +3147,7 @@
             <a:fld id="{16FF2618-C234-4528-BB60-72360CB0937F}" type="datetimeFigureOut">
               <a:rPr lang="en-US" smtClean="0"/>
               <a:pPr/>
-              <a:t>2/22/2016</a:t>
+              <a:t>2/24/2016</a:t>
             </a:fld>
             <a:endParaRPr lang="en-US"/>
           </a:p>
@@ -2532,7 +3314,7 @@
             <a:fld id="{16FF2618-C234-4528-BB60-72360CB0937F}" type="datetimeFigureOut">
               <a:rPr lang="en-US" smtClean="0"/>
               <a:pPr/>
-              <a:t>2/22/2016</a:t>
+              <a:t>2/24/2016</a:t>
             </a:fld>
             <a:endParaRPr lang="en-US"/>
           </a:p>
@@ -2775,7 +3557,7 @@
             <a:fld id="{16FF2618-C234-4528-BB60-72360CB0937F}" type="datetimeFigureOut">
               <a:rPr lang="en-US" smtClean="0"/>
               <a:pPr/>
-              <a:t>2/22/2016</a:t>
+              <a:t>2/24/2016</a:t>
             </a:fld>
             <a:endParaRPr lang="en-US"/>
           </a:p>
@@ -3060,7 +3842,7 @@
             <a:fld id="{16FF2618-C234-4528-BB60-72360CB0937F}" type="datetimeFigureOut">
               <a:rPr lang="en-US" smtClean="0"/>
               <a:pPr/>
-              <a:t>2/22/2016</a:t>
+              <a:t>2/24/2016</a:t>
             </a:fld>
             <a:endParaRPr lang="en-US"/>
           </a:p>
@@ -3479,7 +4261,7 @@
             <a:fld id="{16FF2618-C234-4528-BB60-72360CB0937F}" type="datetimeFigureOut">
               <a:rPr lang="en-US" smtClean="0"/>
               <a:pPr/>
-              <a:t>2/22/2016</a:t>
+              <a:t>2/24/2016</a:t>
             </a:fld>
             <a:endParaRPr lang="en-US"/>
           </a:p>
@@ -3594,7 +4376,7 @@
             <a:fld id="{16FF2618-C234-4528-BB60-72360CB0937F}" type="datetimeFigureOut">
               <a:rPr lang="en-US" smtClean="0"/>
               <a:pPr/>
-              <a:t>2/22/2016</a:t>
+              <a:t>2/24/2016</a:t>
             </a:fld>
             <a:endParaRPr lang="en-US"/>
           </a:p>
@@ -3686,7 +4468,7 @@
             <a:fld id="{16FF2618-C234-4528-BB60-72360CB0937F}" type="datetimeFigureOut">
               <a:rPr lang="en-US" smtClean="0"/>
               <a:pPr/>
-              <a:t>2/22/2016</a:t>
+              <a:t>2/24/2016</a:t>
             </a:fld>
             <a:endParaRPr lang="en-US"/>
           </a:p>
@@ -3960,7 +4742,7 @@
             <a:fld id="{16FF2618-C234-4528-BB60-72360CB0937F}" type="datetimeFigureOut">
               <a:rPr lang="en-US" smtClean="0"/>
               <a:pPr/>
-              <a:t>2/22/2016</a:t>
+              <a:t>2/24/2016</a:t>
             </a:fld>
             <a:endParaRPr lang="en-US"/>
           </a:p>
@@ -4131,7 +4913,7 @@
             <a:fld id="{11188646-8CEC-4AE4-B1E7-ADF9D885FD96}" type="datetimeFigureOut">
               <a:rPr lang="en-US" smtClean="0"/>
               <a:pPr/>
-              <a:t>2/22/2016</a:t>
+              <a:t>2/24/2016</a:t>
             </a:fld>
             <a:endParaRPr lang="en-US"/>
           </a:p>
@@ -5612,7 +6394,7 @@
             <a:fld id="{16FF2618-C234-4528-BB60-72360CB0937F}" type="datetimeFigureOut">
               <a:rPr lang="en-US" smtClean="0"/>
               <a:pPr/>
-              <a:t>2/22/2016</a:t>
+              <a:t>2/24/2016</a:t>
             </a:fld>
             <a:endParaRPr lang="en-US"/>
           </a:p>
@@ -5779,7 +6561,7 @@
             <a:fld id="{16FF2618-C234-4528-BB60-72360CB0937F}" type="datetimeFigureOut">
               <a:rPr lang="en-US" smtClean="0"/>
               <a:pPr/>
-              <a:t>2/22/2016</a:t>
+              <a:t>2/24/2016</a:t>
             </a:fld>
             <a:endParaRPr lang="en-US"/>
           </a:p>
@@ -5956,7 +6738,7 @@
             <a:fld id="{16FF2618-C234-4528-BB60-72360CB0937F}" type="datetimeFigureOut">
               <a:rPr lang="en-US" smtClean="0"/>
               <a:pPr/>
-              <a:t>2/22/2016</a:t>
+              <a:t>2/24/2016</a:t>
             </a:fld>
             <a:endParaRPr lang="en-US"/>
           </a:p>
@@ -6199,7 +6981,7 @@
             <a:fld id="{11188646-8CEC-4AE4-B1E7-ADF9D885FD96}" type="datetimeFigureOut">
               <a:rPr lang="en-US" smtClean="0"/>
               <a:pPr/>
-              <a:t>2/22/2016</a:t>
+              <a:t>2/24/2016</a:t>
             </a:fld>
             <a:endParaRPr lang="en-US"/>
           </a:p>
@@ -6484,7 +7266,7 @@
             <a:fld id="{11188646-8CEC-4AE4-B1E7-ADF9D885FD96}" type="datetimeFigureOut">
               <a:rPr lang="en-US" smtClean="0"/>
               <a:pPr/>
-              <a:t>2/22/2016</a:t>
+              <a:t>2/24/2016</a:t>
             </a:fld>
             <a:endParaRPr lang="en-US"/>
           </a:p>
@@ -6903,7 +7685,7 @@
             <a:fld id="{11188646-8CEC-4AE4-B1E7-ADF9D885FD96}" type="datetimeFigureOut">
               <a:rPr lang="en-US" smtClean="0"/>
               <a:pPr/>
-              <a:t>2/22/2016</a:t>
+              <a:t>2/24/2016</a:t>
             </a:fld>
             <a:endParaRPr lang="en-US"/>
           </a:p>
@@ -7018,7 +7800,7 @@
             <a:fld id="{11188646-8CEC-4AE4-B1E7-ADF9D885FD96}" type="datetimeFigureOut">
               <a:rPr lang="en-US" smtClean="0"/>
               <a:pPr/>
-              <a:t>2/22/2016</a:t>
+              <a:t>2/24/2016</a:t>
             </a:fld>
             <a:endParaRPr lang="en-US"/>
           </a:p>
@@ -7110,7 +7892,7 @@
             <a:fld id="{11188646-8CEC-4AE4-B1E7-ADF9D885FD96}" type="datetimeFigureOut">
               <a:rPr lang="en-US" smtClean="0"/>
               <a:pPr/>
-              <a:t>2/22/2016</a:t>
+              <a:t>2/24/2016</a:t>
             </a:fld>
             <a:endParaRPr lang="en-US"/>
           </a:p>
@@ -7384,7 +8166,7 @@
             <a:fld id="{11188646-8CEC-4AE4-B1E7-ADF9D885FD96}" type="datetimeFigureOut">
               <a:rPr lang="en-US" smtClean="0"/>
               <a:pPr/>
-              <a:t>2/22/2016</a:t>
+              <a:t>2/24/2016</a:t>
             </a:fld>
             <a:endParaRPr lang="en-US"/>
           </a:p>
@@ -7638,7 +8420,7 @@
             <a:fld id="{11188646-8CEC-4AE4-B1E7-ADF9D885FD96}" type="datetimeFigureOut">
               <a:rPr lang="en-US" smtClean="0"/>
               <a:pPr/>
-              <a:t>2/22/2016</a:t>
+              <a:t>2/24/2016</a:t>
             </a:fld>
             <a:endParaRPr lang="en-US"/>
           </a:p>
@@ -7851,7 +8633,7 @@
             <a:fld id="{11188646-8CEC-4AE4-B1E7-ADF9D885FD96}" type="datetimeFigureOut">
               <a:rPr lang="en-US" smtClean="0"/>
               <a:pPr/>
-              <a:t>2/22/2016</a:t>
+              <a:t>2/24/2016</a:t>
             </a:fld>
             <a:endParaRPr lang="en-US"/>
           </a:p>
@@ -8370,7 +9152,7 @@
             <a:fld id="{16FF2618-C234-4528-BB60-72360CB0937F}" type="datetimeFigureOut">
               <a:rPr lang="en-US" smtClean="0"/>
               <a:pPr/>
-              <a:t>2/22/2016</a:t>
+              <a:t>2/24/2016</a:t>
             </a:fld>
             <a:endParaRPr lang="en-US"/>
           </a:p>
@@ -8964,14 +9746,14 @@
           <a:p>
             <a:pPr algn="ctr"/>
             <a:r>
-              <a:rPr lang="en-US" dirty="0" smtClean="0">
+              <a:rPr lang="en-US" smtClean="0">
                 <a:solidFill>
                   <a:schemeClr val="accent3">
                     <a:lumMod val="50000"/>
                   </a:schemeClr>
                 </a:solidFill>
               </a:rPr>
-              <a:t>Testing</a:t>
+              <a:t>Project Concept</a:t>
             </a:r>
             <a:endParaRPr lang="en-US" dirty="0">
               <a:solidFill>
@@ -9006,10 +9788,30 @@
                   </a:schemeClr>
                 </a:solidFill>
               </a:rPr>
-              <a:t>Each of our team members will test the application locally</a:t>
-            </a:r>
-          </a:p>
-          <a:p>
+              <a:t>C++</a:t>
+            </a:r>
+          </a:p>
+          <a:p>
+            <a:r>
+              <a:rPr lang="en-US" dirty="0" err="1" smtClean="0">
+                <a:solidFill>
+                  <a:schemeClr val="accent3">
+                    <a:lumMod val="75000"/>
+                  </a:schemeClr>
+                </a:solidFill>
+              </a:rPr>
+              <a:t>OpenCV</a:t>
+            </a:r>
+            <a:endParaRPr lang="en-US" dirty="0" smtClean="0">
+              <a:solidFill>
+                <a:schemeClr val="accent3">
+                  <a:lumMod val="75000"/>
+                </a:schemeClr>
+              </a:solidFill>
+            </a:endParaRPr>
+          </a:p>
+          <a:p>
+            <a:pPr lvl="1"/>
             <a:r>
               <a:rPr lang="en-US" dirty="0" smtClean="0">
                 <a:solidFill>
@@ -9018,7 +9820,7 @@
                   </a:schemeClr>
                 </a:solidFill>
               </a:rPr>
-              <a:t>Will test with already uploaded photos also</a:t>
+              <a:t>v3.1.0</a:t>
             </a:r>
           </a:p>
           <a:p>
@@ -9030,7 +9832,7 @@
                   </a:schemeClr>
                 </a:solidFill>
               </a:rPr>
-              <a:t>Will test on different backgrounds</a:t>
+              <a:t>Android application</a:t>
             </a:r>
           </a:p>
           <a:p>
@@ -9042,27 +9844,223 @@
                   </a:schemeClr>
                 </a:solidFill>
               </a:rPr>
-              <a:t>Photos will be evaluated based on how well the background is removed</a:t>
-            </a:r>
-            <a:endParaRPr lang="en-US" dirty="0">
-              <a:solidFill>
-                <a:schemeClr val="accent3">
-                  <a:lumMod val="75000"/>
-                </a:schemeClr>
-              </a:solidFill>
-            </a:endParaRPr>
-          </a:p>
-        </p:txBody>
-      </p:sp>
+              <a:t>Version Control</a:t>
+            </a:r>
+          </a:p>
+          <a:p>
+            <a:pPr lvl="1"/>
+            <a:r>
+              <a:rPr lang="en-US" dirty="0" smtClean="0">
+                <a:solidFill>
+                  <a:schemeClr val="accent3">
+                    <a:lumMod val="75000"/>
+                  </a:schemeClr>
+                </a:solidFill>
+              </a:rPr>
+              <a:t>GitHub</a:t>
+            </a:r>
+          </a:p>
+        </p:txBody>
+      </p:sp>
+      <p:pic>
+        <p:nvPicPr>
+          <p:cNvPr id="7" name="Recorded Sound">
+            <a:hlinkClick r:id="" action="ppaction://media"/>
+          </p:cNvPr>
+          <p:cNvPicPr>
+            <a:picLocks noChangeAspect="1"/>
+          </p:cNvPicPr>
+          <p:nvPr>
+            <a:audioFile r:link="rId2"/>
+            <p:extLst>
+              <p:ext uri="{DAA4B4D4-6D71-4841-9C94-3DE7FCFB9230}">
+                <p14:media xmlns:p14="http://schemas.microsoft.com/office/powerpoint/2010/main" r:embed="rId1"/>
+              </p:ext>
+            </p:extLst>
+          </p:nvPr>
+        </p:nvPicPr>
+        <p:blipFill>
+          <a:blip r:embed="rId7"/>
+          <a:stretch>
+            <a:fillRect/>
+          </a:stretch>
+        </p:blipFill>
+        <p:spPr>
+          <a:xfrm>
+            <a:off x="4327525" y="3184525"/>
+            <a:ext cx="487363" cy="487363"/>
+          </a:xfrm>
+          <a:prstGeom prst="rect">
+            <a:avLst/>
+          </a:prstGeom>
+        </p:spPr>
+      </p:pic>
+      <p:pic>
+        <p:nvPicPr>
+          <p:cNvPr id="8" name="Recorded Sound">
+            <a:hlinkClick r:id="" action="ppaction://media"/>
+          </p:cNvPr>
+          <p:cNvPicPr>
+            <a:picLocks noChangeAspect="1"/>
+          </p:cNvPicPr>
+          <p:nvPr>
+            <a:audioFile r:link="rId4"/>
+            <p:extLst>
+              <p:ext uri="{DAA4B4D4-6D71-4841-9C94-3DE7FCFB9230}">
+                <p14:media xmlns:p14="http://schemas.microsoft.com/office/powerpoint/2010/main" r:embed="rId3"/>
+              </p:ext>
+            </p:extLst>
+          </p:nvPr>
+        </p:nvPicPr>
+        <p:blipFill>
+          <a:blip r:embed="rId7"/>
+          <a:stretch>
+            <a:fillRect/>
+          </a:stretch>
+        </p:blipFill>
+        <p:spPr>
+          <a:xfrm>
+            <a:off x="7162800" y="3184525"/>
+            <a:ext cx="487363" cy="487363"/>
+          </a:xfrm>
+          <a:prstGeom prst="rect">
+            <a:avLst/>
+          </a:prstGeom>
+        </p:spPr>
+      </p:pic>
     </p:spTree>
   </p:cSld>
   <p:clrMapOvr>
     <a:masterClrMapping/>
   </p:clrMapOvr>
+  <mc:AlternateContent xmlns:mc="http://schemas.openxmlformats.org/markup-compatibility/2006">
+    <mc:Choice xmlns:p14="http://schemas.microsoft.com/office/powerpoint/2010/main" Requires="p14">
+      <p:transition spd="slow" p14:dur="2000" advTm="26000"/>
+    </mc:Choice>
+    <mc:Fallback>
+      <p:transition spd="slow" advTm="26000"/>
+    </mc:Fallback>
+  </mc:AlternateContent>
   <p:timing>
     <p:tnLst>
       <p:par>
-        <p:cTn id="1" dur="indefinite" restart="never" nodeType="tmRoot"/>
+        <p:cTn id="1" dur="indefinite" restart="never" nodeType="tmRoot">
+          <p:childTnLst>
+            <p:seq concurrent="1" nextAc="seek">
+              <p:cTn id="2" dur="indefinite" nodeType="mainSeq">
+                <p:childTnLst>
+                  <p:par>
+                    <p:cTn id="3" fill="hold">
+                      <p:stCondLst>
+                        <p:cond delay="indefinite"/>
+                        <p:cond evt="onBegin" delay="0">
+                          <p:tn val="2"/>
+                        </p:cond>
+                      </p:stCondLst>
+                      <p:childTnLst>
+                        <p:par>
+                          <p:cTn id="4" fill="hold">
+                            <p:stCondLst>
+                              <p:cond delay="0"/>
+                            </p:stCondLst>
+                            <p:childTnLst>
+                              <p:par>
+                                <p:cTn id="5" presetID="1" presetClass="mediacall" presetSubtype="0" fill="hold" nodeType="afterEffect">
+                                  <p:stCondLst>
+                                    <p:cond delay="0"/>
+                                  </p:stCondLst>
+                                  <p:childTnLst>
+                                    <p:cmd type="call" cmd="playFrom(0.0)">
+                                      <p:cBhvr>
+                                        <p:cTn id="6" dur="25130" fill="hold"/>
+                                        <p:tgtEl>
+                                          <p:spTgt spid="7"/>
+                                        </p:tgtEl>
+                                      </p:cBhvr>
+                                    </p:cmd>
+                                  </p:childTnLst>
+                                </p:cTn>
+                              </p:par>
+                              <p:par>
+                                <p:cTn id="7" presetID="1" presetClass="mediacall" presetSubtype="0" fill="hold" nodeType="withEffect">
+                                  <p:stCondLst>
+                                    <p:cond delay="23000"/>
+                                  </p:stCondLst>
+                                  <p:childTnLst>
+                                    <p:cmd type="call" cmd="playFrom(0.0)">
+                                      <p:cBhvr>
+                                        <p:cTn id="8" dur="1" fill="hold"/>
+                                        <p:tgtEl>
+                                          <p:spTgt spid="8"/>
+                                        </p:tgtEl>
+                                      </p:cBhvr>
+                                    </p:cmd>
+                                  </p:childTnLst>
+                                </p:cTn>
+                              </p:par>
+                            </p:childTnLst>
+                          </p:cTn>
+                        </p:par>
+                      </p:childTnLst>
+                    </p:cTn>
+                  </p:par>
+                </p:childTnLst>
+              </p:cTn>
+              <p:prevCondLst>
+                <p:cond evt="onPrev" delay="0">
+                  <p:tgtEl>
+                    <p:sldTgt/>
+                  </p:tgtEl>
+                </p:cond>
+              </p:prevCondLst>
+              <p:nextCondLst>
+                <p:cond evt="onNext" delay="0">
+                  <p:tgtEl>
+                    <p:sldTgt/>
+                  </p:tgtEl>
+                </p:cond>
+              </p:nextCondLst>
+            </p:seq>
+            <p:audio>
+              <p:cMediaNode vol="80000" showWhenStopped="0">
+                <p:cTn id="9" fill="hold" display="0">
+                  <p:stCondLst>
+                    <p:cond delay="indefinite"/>
+                  </p:stCondLst>
+                  <p:endCondLst>
+                    <p:cond evt="onStopAudio" delay="0">
+                      <p:tgtEl>
+                        <p:sldTgt/>
+                      </p:tgtEl>
+                    </p:cond>
+                  </p:endCondLst>
+                </p:cTn>
+                <p:tgtEl>
+                  <p:spTgt spid="7"/>
+                </p:tgtEl>
+              </p:cMediaNode>
+            </p:audio>
+            <p:audio>
+              <p:cMediaNode vol="80000" numSld="999" showWhenStopped="0">
+                <p:cTn id="10" fill="hold" display="0">
+                  <p:stCondLst>
+                    <p:cond delay="indefinite"/>
+                  </p:stCondLst>
+                  <p:endCondLst>
+                    <p:cond evt="onStopAudio" delay="0">
+                      <p:tgtEl>
+                        <p:sldTgt/>
+                      </p:tgtEl>
+                    </p:cond>
+                  </p:endCondLst>
+                </p:cTn>
+                <p:tgtEl>
+                  <p:spTgt spid="8"/>
+                </p:tgtEl>
+              </p:cMediaNode>
+            </p:audio>
+          </p:childTnLst>
+        </p:cTn>
       </p:par>
     </p:tnLst>
   </p:timing>
@@ -9110,7 +10108,7 @@
                   </a:schemeClr>
                 </a:solidFill>
               </a:rPr>
-              <a:t>Definition of Success</a:t>
+              <a:t>Testing</a:t>
             </a:r>
             <a:endParaRPr lang="en-US" dirty="0">
               <a:solidFill>
@@ -9145,7 +10143,7 @@
                   </a:schemeClr>
                 </a:solidFill>
               </a:rPr>
-              <a:t>Code removes background image and places a blue background on the photo</a:t>
+              <a:t>Each of our team members will test the application locally</a:t>
             </a:r>
           </a:p>
           <a:p>
@@ -9157,20 +10155,241 @@
                   </a:schemeClr>
                 </a:solidFill>
               </a:rPr>
-              <a:t>Hair is not blended into the background</a:t>
-            </a:r>
-          </a:p>
-        </p:txBody>
-      </p:sp>
+              <a:t>Will test with already uploaded photos also</a:t>
+            </a:r>
+          </a:p>
+          <a:p>
+            <a:r>
+              <a:rPr lang="en-US" dirty="0" smtClean="0">
+                <a:solidFill>
+                  <a:schemeClr val="accent3">
+                    <a:lumMod val="75000"/>
+                  </a:schemeClr>
+                </a:solidFill>
+              </a:rPr>
+              <a:t>Will test on different backgrounds</a:t>
+            </a:r>
+          </a:p>
+          <a:p>
+            <a:r>
+              <a:rPr lang="en-US" dirty="0" smtClean="0">
+                <a:solidFill>
+                  <a:schemeClr val="accent3">
+                    <a:lumMod val="75000"/>
+                  </a:schemeClr>
+                </a:solidFill>
+              </a:rPr>
+              <a:t>Photos will be evaluated based on how well the background is removed</a:t>
+            </a:r>
+            <a:endParaRPr lang="en-US" dirty="0">
+              <a:solidFill>
+                <a:schemeClr val="accent3">
+                  <a:lumMod val="75000"/>
+                </a:schemeClr>
+              </a:solidFill>
+            </a:endParaRPr>
+          </a:p>
+        </p:txBody>
+      </p:sp>
+      <p:pic>
+        <p:nvPicPr>
+          <p:cNvPr id="5" name="Recorded Sound">
+            <a:hlinkClick r:id="" action="ppaction://media"/>
+          </p:cNvPr>
+          <p:cNvPicPr>
+            <a:picLocks noChangeAspect="1"/>
+          </p:cNvPicPr>
+          <p:nvPr>
+            <a:audioFile r:link="rId2"/>
+            <p:extLst>
+              <p:ext uri="{DAA4B4D4-6D71-4841-9C94-3DE7FCFB9230}">
+                <p14:media xmlns:p14="http://schemas.microsoft.com/office/powerpoint/2010/main" r:embed="rId1"/>
+              </p:ext>
+            </p:extLst>
+          </p:nvPr>
+        </p:nvPicPr>
+        <p:blipFill>
+          <a:blip r:embed="rId7"/>
+          <a:stretch>
+            <a:fillRect/>
+          </a:stretch>
+        </p:blipFill>
+        <p:spPr>
+          <a:xfrm>
+            <a:off x="4038600" y="3429000"/>
+            <a:ext cx="487363" cy="487363"/>
+          </a:xfrm>
+          <a:prstGeom prst="rect">
+            <a:avLst/>
+          </a:prstGeom>
+        </p:spPr>
+      </p:pic>
+      <p:pic>
+        <p:nvPicPr>
+          <p:cNvPr id="6" name="Recorded Sound">
+            <a:hlinkClick r:id="" action="ppaction://media"/>
+          </p:cNvPr>
+          <p:cNvPicPr>
+            <a:picLocks noChangeAspect="1"/>
+          </p:cNvPicPr>
+          <p:nvPr>
+            <a:audioFile r:link="rId4"/>
+            <p:extLst>
+              <p:ext uri="{DAA4B4D4-6D71-4841-9C94-3DE7FCFB9230}">
+                <p14:media xmlns:p14="http://schemas.microsoft.com/office/powerpoint/2010/main" r:embed="rId3"/>
+              </p:ext>
+            </p:extLst>
+          </p:nvPr>
+        </p:nvPicPr>
+        <p:blipFill>
+          <a:blip r:embed="rId7"/>
+          <a:stretch>
+            <a:fillRect/>
+          </a:stretch>
+        </p:blipFill>
+        <p:spPr>
+          <a:xfrm>
+            <a:off x="7162800" y="3184525"/>
+            <a:ext cx="487363" cy="487363"/>
+          </a:xfrm>
+          <a:prstGeom prst="rect">
+            <a:avLst/>
+          </a:prstGeom>
+        </p:spPr>
+      </p:pic>
     </p:spTree>
   </p:cSld>
   <p:clrMapOvr>
     <a:masterClrMapping/>
   </p:clrMapOvr>
+  <mc:AlternateContent xmlns:mc="http://schemas.openxmlformats.org/markup-compatibility/2006">
+    <mc:Choice xmlns:p14="http://schemas.microsoft.com/office/powerpoint/2010/main" Requires="p14">
+      <p:transition spd="slow" p14:dur="2000" advTm="34000"/>
+    </mc:Choice>
+    <mc:Fallback>
+      <p:transition spd="slow" advTm="34000"/>
+    </mc:Fallback>
+  </mc:AlternateContent>
   <p:timing>
     <p:tnLst>
       <p:par>
-        <p:cTn id="1" dur="indefinite" restart="never" nodeType="tmRoot"/>
+        <p:cTn id="1" dur="indefinite" restart="never" nodeType="tmRoot">
+          <p:childTnLst>
+            <p:seq concurrent="1" nextAc="seek">
+              <p:cTn id="2" dur="indefinite" nodeType="mainSeq">
+                <p:childTnLst>
+                  <p:par>
+                    <p:cTn id="3" fill="hold">
+                      <p:stCondLst>
+                        <p:cond delay="indefinite"/>
+                        <p:cond evt="onBegin" delay="0">
+                          <p:tn val="2"/>
+                        </p:cond>
+                      </p:stCondLst>
+                      <p:childTnLst>
+                        <p:par>
+                          <p:cTn id="4" fill="hold">
+                            <p:stCondLst>
+                              <p:cond delay="0"/>
+                            </p:stCondLst>
+                            <p:childTnLst>
+                              <p:par>
+                                <p:cTn id="5" presetID="1" presetClass="mediacall" presetSubtype="0" fill="hold" nodeType="afterEffect">
+                                  <p:stCondLst>
+                                    <p:cond delay="0"/>
+                                  </p:stCondLst>
+                                  <p:childTnLst>
+                                    <p:cmd type="call" cmd="playFrom(0.0)">
+                                      <p:cBhvr>
+                                        <p:cTn id="6" dur="33340" fill="hold"/>
+                                        <p:tgtEl>
+                                          <p:spTgt spid="5"/>
+                                        </p:tgtEl>
+                                      </p:cBhvr>
+                                    </p:cmd>
+                                  </p:childTnLst>
+                                </p:cTn>
+                              </p:par>
+                              <p:par>
+                                <p:cTn id="7" presetID="1" presetClass="mediacall" presetSubtype="0" fill="hold" nodeType="withEffect">
+                                  <p:stCondLst>
+                                    <p:cond delay="30000"/>
+                                  </p:stCondLst>
+                                  <p:childTnLst>
+                                    <p:cmd type="call" cmd="playFrom(0.0)">
+                                      <p:cBhvr>
+                                        <p:cTn id="8" dur="1" fill="hold"/>
+                                        <p:tgtEl>
+                                          <p:spTgt spid="6"/>
+                                        </p:tgtEl>
+                                      </p:cBhvr>
+                                    </p:cmd>
+                                  </p:childTnLst>
+                                </p:cTn>
+                              </p:par>
+                            </p:childTnLst>
+                          </p:cTn>
+                        </p:par>
+                      </p:childTnLst>
+                    </p:cTn>
+                  </p:par>
+                </p:childTnLst>
+              </p:cTn>
+              <p:prevCondLst>
+                <p:cond evt="onPrev" delay="0">
+                  <p:tgtEl>
+                    <p:sldTgt/>
+                  </p:tgtEl>
+                </p:cond>
+              </p:prevCondLst>
+              <p:nextCondLst>
+                <p:cond evt="onNext" delay="0">
+                  <p:tgtEl>
+                    <p:sldTgt/>
+                  </p:tgtEl>
+                </p:cond>
+              </p:nextCondLst>
+            </p:seq>
+            <p:audio>
+              <p:cMediaNode vol="80000" showWhenStopped="0">
+                <p:cTn id="9" fill="hold" display="0">
+                  <p:stCondLst>
+                    <p:cond delay="indefinite"/>
+                  </p:stCondLst>
+                  <p:endCondLst>
+                    <p:cond evt="onStopAudio" delay="0">
+                      <p:tgtEl>
+                        <p:sldTgt/>
+                      </p:tgtEl>
+                    </p:cond>
+                  </p:endCondLst>
+                </p:cTn>
+                <p:tgtEl>
+                  <p:spTgt spid="5"/>
+                </p:tgtEl>
+              </p:cMediaNode>
+            </p:audio>
+            <p:audio>
+              <p:cMediaNode vol="80000" numSld="999" showWhenStopped="0">
+                <p:cTn id="10" fill="hold" display="0">
+                  <p:stCondLst>
+                    <p:cond delay="indefinite"/>
+                  </p:stCondLst>
+                  <p:endCondLst>
+                    <p:cond evt="onStopAudio" delay="0">
+                      <p:tgtEl>
+                        <p:sldTgt/>
+                      </p:tgtEl>
+                    </p:cond>
+                  </p:endCondLst>
+                </p:cTn>
+                <p:tgtEl>
+                  <p:spTgt spid="6"/>
+                </p:tgtEl>
+              </p:cMediaNode>
+            </p:audio>
+          </p:childTnLst>
+        </p:cTn>
       </p:par>
     </p:tnLst>
   </p:timing>
@@ -9209,6 +10428,367 @@
           <a:bodyPr/>
           <a:lstStyle/>
           <a:p>
+            <a:pPr algn="ctr"/>
+            <a:r>
+              <a:rPr lang="en-US" dirty="0" smtClean="0">
+                <a:solidFill>
+                  <a:schemeClr val="accent3">
+                    <a:lumMod val="50000"/>
+                  </a:schemeClr>
+                </a:solidFill>
+              </a:rPr>
+              <a:t>Definition of Success</a:t>
+            </a:r>
+            <a:endParaRPr lang="en-US" dirty="0">
+              <a:solidFill>
+                <a:schemeClr val="accent3">
+                  <a:lumMod val="50000"/>
+                </a:schemeClr>
+              </a:solidFill>
+            </a:endParaRPr>
+          </a:p>
+        </p:txBody>
+      </p:sp>
+      <p:sp>
+        <p:nvSpPr>
+          <p:cNvPr id="3" name="Content Placeholder 2"/>
+          <p:cNvSpPr>
+            <a:spLocks noGrp="1"/>
+          </p:cNvSpPr>
+          <p:nvPr>
+            <p:ph idx="1"/>
+          </p:nvPr>
+        </p:nvSpPr>
+        <p:spPr/>
+        <p:txBody>
+          <a:bodyPr/>
+          <a:lstStyle/>
+          <a:p>
+            <a:r>
+              <a:rPr lang="en-US" dirty="0" smtClean="0">
+                <a:solidFill>
+                  <a:schemeClr val="accent3">
+                    <a:lumMod val="75000"/>
+                  </a:schemeClr>
+                </a:solidFill>
+              </a:rPr>
+              <a:t>Code removes background image and places a blue background on the photo</a:t>
+            </a:r>
+          </a:p>
+          <a:p>
+            <a:r>
+              <a:rPr lang="en-US" dirty="0" smtClean="0">
+                <a:solidFill>
+                  <a:schemeClr val="accent3">
+                    <a:lumMod val="75000"/>
+                  </a:schemeClr>
+                </a:solidFill>
+              </a:rPr>
+              <a:t>Hair is not blended into the </a:t>
+            </a:r>
+            <a:r>
+              <a:rPr lang="en-US" dirty="0" smtClean="0">
+                <a:solidFill>
+                  <a:schemeClr val="accent3">
+                    <a:lumMod val="75000"/>
+                  </a:schemeClr>
+                </a:solidFill>
+              </a:rPr>
+              <a:t>background</a:t>
+            </a:r>
+          </a:p>
+          <a:p>
+            <a:r>
+              <a:rPr lang="en-US" dirty="0" smtClean="0">
+                <a:solidFill>
+                  <a:schemeClr val="accent3">
+                    <a:lumMod val="75000"/>
+                  </a:schemeClr>
+                </a:solidFill>
+              </a:rPr>
+              <a:t>Application is deployable on android devices meeting application requirements</a:t>
+            </a:r>
+          </a:p>
+          <a:p>
+            <a:endParaRPr lang="en-US" dirty="0">
+              <a:solidFill>
+                <a:schemeClr val="accent3">
+                  <a:lumMod val="75000"/>
+                </a:schemeClr>
+              </a:solidFill>
+            </a:endParaRPr>
+          </a:p>
+          <a:p>
+            <a:r>
+              <a:rPr lang="en-US" dirty="0" smtClean="0">
+                <a:solidFill>
+                  <a:schemeClr val="accent3">
+                    <a:lumMod val="75000"/>
+                  </a:schemeClr>
+                </a:solidFill>
+              </a:rPr>
+              <a:t>Stretch Goal</a:t>
+            </a:r>
+          </a:p>
+          <a:p>
+            <a:pPr lvl="1"/>
+            <a:r>
+              <a:rPr lang="en-US" dirty="0" smtClean="0">
+                <a:solidFill>
+                  <a:schemeClr val="accent3">
+                    <a:lumMod val="75000"/>
+                  </a:schemeClr>
+                </a:solidFill>
+              </a:rPr>
+              <a:t>Output photo meets ICAO standards</a:t>
+            </a:r>
+            <a:endParaRPr lang="en-US" dirty="0" smtClean="0">
+              <a:solidFill>
+                <a:schemeClr val="accent3">
+                  <a:lumMod val="75000"/>
+                </a:schemeClr>
+              </a:solidFill>
+            </a:endParaRPr>
+          </a:p>
+        </p:txBody>
+      </p:sp>
+      <p:pic>
+        <p:nvPicPr>
+          <p:cNvPr id="4" name="Recorded Sound">
+            <a:hlinkClick r:id="" action="ppaction://media"/>
+          </p:cNvPr>
+          <p:cNvPicPr>
+            <a:picLocks noChangeAspect="1"/>
+          </p:cNvPicPr>
+          <p:nvPr>
+            <a:audioFile r:link="rId2"/>
+            <p:extLst>
+              <p:ext uri="{DAA4B4D4-6D71-4841-9C94-3DE7FCFB9230}">
+                <p14:media xmlns:p14="http://schemas.microsoft.com/office/powerpoint/2010/main" r:embed="rId1"/>
+              </p:ext>
+            </p:extLst>
+          </p:nvPr>
+        </p:nvPicPr>
+        <p:blipFill>
+          <a:blip r:embed="rId7"/>
+          <a:stretch>
+            <a:fillRect/>
+          </a:stretch>
+        </p:blipFill>
+        <p:spPr>
+          <a:xfrm>
+            <a:off x="4327525" y="3184525"/>
+            <a:ext cx="487363" cy="487363"/>
+          </a:xfrm>
+          <a:prstGeom prst="rect">
+            <a:avLst/>
+          </a:prstGeom>
+        </p:spPr>
+      </p:pic>
+      <p:pic>
+        <p:nvPicPr>
+          <p:cNvPr id="5" name="Recorded Sound">
+            <a:hlinkClick r:id="" action="ppaction://media"/>
+          </p:cNvPr>
+          <p:cNvPicPr>
+            <a:picLocks noChangeAspect="1"/>
+          </p:cNvPicPr>
+          <p:nvPr>
+            <a:audioFile r:link="rId4"/>
+            <p:extLst>
+              <p:ext uri="{DAA4B4D4-6D71-4841-9C94-3DE7FCFB9230}">
+                <p14:media xmlns:p14="http://schemas.microsoft.com/office/powerpoint/2010/main" r:embed="rId3"/>
+              </p:ext>
+            </p:extLst>
+          </p:nvPr>
+        </p:nvPicPr>
+        <p:blipFill>
+          <a:blip r:embed="rId7"/>
+          <a:stretch>
+            <a:fillRect/>
+          </a:stretch>
+        </p:blipFill>
+        <p:spPr>
+          <a:xfrm>
+            <a:off x="7162800" y="3184525"/>
+            <a:ext cx="487363" cy="487363"/>
+          </a:xfrm>
+          <a:prstGeom prst="rect">
+            <a:avLst/>
+          </a:prstGeom>
+        </p:spPr>
+      </p:pic>
+    </p:spTree>
+  </p:cSld>
+  <p:clrMapOvr>
+    <a:masterClrMapping/>
+  </p:clrMapOvr>
+  <mc:AlternateContent xmlns:mc="http://schemas.openxmlformats.org/markup-compatibility/2006">
+    <mc:Choice xmlns:p14="http://schemas.microsoft.com/office/powerpoint/2010/main" Requires="p14">
+      <p:transition spd="slow" p14:dur="2000" advTm="41000"/>
+    </mc:Choice>
+    <mc:Fallback>
+      <p:transition spd="slow" advTm="41000"/>
+    </mc:Fallback>
+  </mc:AlternateContent>
+  <p:timing>
+    <p:tnLst>
+      <p:par>
+        <p:cTn id="1" dur="indefinite" restart="never" nodeType="tmRoot">
+          <p:childTnLst>
+            <p:seq concurrent="1" nextAc="seek">
+              <p:cTn id="2" dur="indefinite" nodeType="mainSeq">
+                <p:childTnLst>
+                  <p:par>
+                    <p:cTn id="3" fill="hold">
+                      <p:stCondLst>
+                        <p:cond delay="indefinite"/>
+                        <p:cond evt="onBegin" delay="0">
+                          <p:tn val="2"/>
+                        </p:cond>
+                      </p:stCondLst>
+                      <p:childTnLst>
+                        <p:par>
+                          <p:cTn id="4" fill="hold">
+                            <p:stCondLst>
+                              <p:cond delay="0"/>
+                            </p:stCondLst>
+                            <p:childTnLst>
+                              <p:par>
+                                <p:cTn id="5" presetID="1" presetClass="mediacall" presetSubtype="0" fill="hold" nodeType="afterEffect">
+                                  <p:stCondLst>
+                                    <p:cond delay="0"/>
+                                  </p:stCondLst>
+                                  <p:childTnLst>
+                                    <p:cmd type="call" cmd="playFrom(0.0)">
+                                      <p:cBhvr>
+                                        <p:cTn id="6" dur="40000" fill="hold"/>
+                                        <p:tgtEl>
+                                          <p:spTgt spid="4"/>
+                                        </p:tgtEl>
+                                      </p:cBhvr>
+                                    </p:cmd>
+                                  </p:childTnLst>
+                                </p:cTn>
+                              </p:par>
+                              <p:par>
+                                <p:cTn id="7" presetID="1" presetClass="mediacall" presetSubtype="0" fill="hold" nodeType="withEffect">
+                                  <p:stCondLst>
+                                    <p:cond delay="37000"/>
+                                  </p:stCondLst>
+                                  <p:childTnLst>
+                                    <p:cmd type="call" cmd="playFrom(0.0)">
+                                      <p:cBhvr>
+                                        <p:cTn id="8" dur="1" fill="hold"/>
+                                        <p:tgtEl>
+                                          <p:spTgt spid="5"/>
+                                        </p:tgtEl>
+                                      </p:cBhvr>
+                                    </p:cmd>
+                                  </p:childTnLst>
+                                </p:cTn>
+                              </p:par>
+                            </p:childTnLst>
+                          </p:cTn>
+                        </p:par>
+                      </p:childTnLst>
+                    </p:cTn>
+                  </p:par>
+                </p:childTnLst>
+              </p:cTn>
+              <p:prevCondLst>
+                <p:cond evt="onPrev" delay="0">
+                  <p:tgtEl>
+                    <p:sldTgt/>
+                  </p:tgtEl>
+                </p:cond>
+              </p:prevCondLst>
+              <p:nextCondLst>
+                <p:cond evt="onNext" delay="0">
+                  <p:tgtEl>
+                    <p:sldTgt/>
+                  </p:tgtEl>
+                </p:cond>
+              </p:nextCondLst>
+            </p:seq>
+            <p:audio>
+              <p:cMediaNode vol="80000" showWhenStopped="0">
+                <p:cTn id="9" fill="hold" display="0">
+                  <p:stCondLst>
+                    <p:cond delay="indefinite"/>
+                  </p:stCondLst>
+                  <p:endCondLst>
+                    <p:cond evt="onStopAudio" delay="0">
+                      <p:tgtEl>
+                        <p:sldTgt/>
+                      </p:tgtEl>
+                    </p:cond>
+                  </p:endCondLst>
+                </p:cTn>
+                <p:tgtEl>
+                  <p:spTgt spid="4"/>
+                </p:tgtEl>
+              </p:cMediaNode>
+            </p:audio>
+            <p:audio>
+              <p:cMediaNode vol="80000" numSld="999" showWhenStopped="0">
+                <p:cTn id="10" fill="hold" display="0">
+                  <p:stCondLst>
+                    <p:cond delay="indefinite"/>
+                  </p:stCondLst>
+                  <p:endCondLst>
+                    <p:cond evt="onStopAudio" delay="0">
+                      <p:tgtEl>
+                        <p:sldTgt/>
+                      </p:tgtEl>
+                    </p:cond>
+                  </p:endCondLst>
+                </p:cTn>
+                <p:tgtEl>
+                  <p:spTgt spid="5"/>
+                </p:tgtEl>
+              </p:cMediaNode>
+            </p:audio>
+          </p:childTnLst>
+        </p:cTn>
+      </p:par>
+    </p:tnLst>
+  </p:timing>
+</p:sld>
+</file>
+
+<file path=ppt/slides/slide13.xml><?xml version="1.0" encoding="utf-8"?>
+<p:sld xmlns:a="http://schemas.openxmlformats.org/drawingml/2006/main" xmlns:r="http://schemas.openxmlformats.org/officeDocument/2006/relationships" xmlns:p="http://schemas.openxmlformats.org/presentationml/2006/main">
+  <p:cSld>
+    <p:spTree>
+      <p:nvGrpSpPr>
+        <p:cNvPr id="1" name=""/>
+        <p:cNvGrpSpPr/>
+        <p:nvPr/>
+      </p:nvGrpSpPr>
+      <p:grpSpPr>
+        <a:xfrm>
+          <a:off x="0" y="0"/>
+          <a:ext cx="0" cy="0"/>
+          <a:chOff x="0" y="0"/>
+          <a:chExt cx="0" cy="0"/>
+        </a:xfrm>
+      </p:grpSpPr>
+      <p:sp>
+        <p:nvSpPr>
+          <p:cNvPr id="2" name="Title 1"/>
+          <p:cNvSpPr>
+            <a:spLocks noGrp="1"/>
+          </p:cNvSpPr>
+          <p:nvPr>
+            <p:ph type="title"/>
+          </p:nvPr>
+        </p:nvSpPr>
+        <p:spPr/>
+        <p:txBody>
+          <a:bodyPr/>
+          <a:lstStyle/>
+          <a:p>
             <a:r>
               <a:rPr lang="en-US" dirty="0" smtClean="0"/>
               <a:t>Questions?</a:t>
@@ -9243,7 +10823,7 @@
               <a:t>Please submit questions to us via </a:t>
             </a:r>
             <a:r>
-              <a:rPr lang="en-US" smtClean="0">
+              <a:rPr lang="en-US" dirty="0" err="1" smtClean="0">
                 <a:solidFill>
                   <a:schemeClr val="accent3">
                     <a:lumMod val="75000"/>
@@ -9252,6 +10832,49 @@
               </a:rPr>
               <a:t>BlackBoard</a:t>
             </a:r>
+            <a:endParaRPr lang="en-US" dirty="0" smtClean="0">
+              <a:solidFill>
+                <a:schemeClr val="accent3">
+                  <a:lumMod val="75000"/>
+                </a:schemeClr>
+              </a:solidFill>
+            </a:endParaRPr>
+          </a:p>
+          <a:p>
+            <a:pPr lvl="1"/>
+            <a:r>
+              <a:rPr lang="en-US" dirty="0">
+                <a:solidFill>
+                  <a:schemeClr val="accent3">
+                    <a:lumMod val="75000"/>
+                  </a:schemeClr>
+                </a:solidFill>
+              </a:rPr>
+              <a:t>Nichole Dugan</a:t>
+            </a:r>
+          </a:p>
+          <a:p>
+            <a:pPr lvl="1"/>
+            <a:r>
+              <a:rPr lang="en-US" dirty="0">
+                <a:solidFill>
+                  <a:schemeClr val="accent3">
+                    <a:lumMod val="75000"/>
+                  </a:schemeClr>
+                </a:solidFill>
+              </a:rPr>
+              <a:t>Edward </a:t>
+            </a:r>
+            <a:r>
+              <a:rPr lang="en-US" dirty="0" err="1">
+                <a:solidFill>
+                  <a:schemeClr val="accent3">
+                    <a:lumMod val="75000"/>
+                  </a:schemeClr>
+                </a:solidFill>
+              </a:rPr>
+              <a:t>Jezisek</a:t>
+            </a:r>
             <a:endParaRPr lang="en-US" dirty="0">
               <a:solidFill>
                 <a:schemeClr val="accent3">
@@ -9260,8 +10883,71 @@
               </a:solidFill>
             </a:endParaRPr>
           </a:p>
-        </p:txBody>
-      </p:sp>
+          <a:p>
+            <a:pPr lvl="1"/>
+            <a:r>
+              <a:rPr lang="en-US" dirty="0">
+                <a:solidFill>
+                  <a:schemeClr val="accent3">
+                    <a:lumMod val="75000"/>
+                  </a:schemeClr>
+                </a:solidFill>
+              </a:rPr>
+              <a:t>Brian </a:t>
+            </a:r>
+            <a:r>
+              <a:rPr lang="en-US" dirty="0" smtClean="0">
+                <a:solidFill>
+                  <a:schemeClr val="accent3">
+                    <a:lumMod val="75000"/>
+                  </a:schemeClr>
+                </a:solidFill>
+              </a:rPr>
+              <a:t>Schulte</a:t>
+            </a:r>
+            <a:endParaRPr lang="en-US" dirty="0">
+              <a:solidFill>
+                <a:schemeClr val="accent3">
+                  <a:lumMod val="75000"/>
+                </a:schemeClr>
+              </a:solidFill>
+            </a:endParaRPr>
+          </a:p>
+        </p:txBody>
+      </p:sp>
+      <p:pic>
+        <p:nvPicPr>
+          <p:cNvPr id="4" name="Recorded Sound">
+            <a:hlinkClick r:id="" action="ppaction://media"/>
+          </p:cNvPr>
+          <p:cNvPicPr>
+            <a:picLocks noChangeAspect="1"/>
+          </p:cNvPicPr>
+          <p:nvPr>
+            <a:audioFile r:link="rId2"/>
+            <p:extLst>
+              <p:ext uri="{DAA4B4D4-6D71-4841-9C94-3DE7FCFB9230}">
+                <p14:media xmlns:p14="http://schemas.microsoft.com/office/powerpoint/2010/main" r:embed="rId1"/>
+              </p:ext>
+            </p:extLst>
+          </p:nvPr>
+        </p:nvPicPr>
+        <p:blipFill>
+          <a:blip r:embed="rId5"/>
+          <a:stretch>
+            <a:fillRect/>
+          </a:stretch>
+        </p:blipFill>
+        <p:spPr>
+          <a:xfrm>
+            <a:off x="4327525" y="3184525"/>
+            <a:ext cx="487363" cy="487363"/>
+          </a:xfrm>
+          <a:prstGeom prst="rect">
+            <a:avLst/>
+          </a:prstGeom>
+        </p:spPr>
+      </p:pic>
     </p:spTree>
     <p:extLst>
       <p:ext uri="{BB962C8B-B14F-4D97-AF65-F5344CB8AC3E}">
@@ -9272,6 +10958,101 @@
   <p:clrMapOvr>
     <a:masterClrMapping/>
   </p:clrMapOvr>
+  <mc:AlternateContent xmlns:mc="http://schemas.openxmlformats.org/markup-compatibility/2006">
+    <mc:Choice xmlns:p14="http://schemas.microsoft.com/office/powerpoint/2010/main" Requires="p14">
+      <p:transition spd="slow" p14:dur="2000" advTm="13000"/>
+    </mc:Choice>
+    <mc:Fallback>
+      <p:transition spd="slow" advTm="13000"/>
+    </mc:Fallback>
+  </mc:AlternateContent>
+  <p:timing>
+    <p:tnLst>
+      <p:par>
+        <p:cTn id="1" dur="indefinite" restart="never" nodeType="tmRoot">
+          <p:childTnLst>
+            <p:seq concurrent="1" nextAc="seek">
+              <p:cTn id="2" dur="indefinite" nodeType="mainSeq">
+                <p:childTnLst>
+                  <p:par>
+                    <p:cTn id="3" fill="hold">
+                      <p:stCondLst>
+                        <p:cond delay="indefinite"/>
+                        <p:cond evt="onBegin" delay="0">
+                          <p:tn val="2"/>
+                        </p:cond>
+                      </p:stCondLst>
+                      <p:childTnLst>
+                        <p:par>
+                          <p:cTn id="4" fill="hold">
+                            <p:stCondLst>
+                              <p:cond delay="0"/>
+                            </p:stCondLst>
+                            <p:childTnLst>
+                              <p:par>
+                                <p:cTn id="5" presetID="1" presetClass="mediacall" presetSubtype="0" fill="hold" nodeType="afterEffect">
+                                  <p:stCondLst>
+                                    <p:cond delay="0"/>
+                                  </p:stCondLst>
+                                  <p:childTnLst>
+                                    <p:cmd type="call" cmd="playFrom(0.0)">
+                                      <p:cBhvr>
+                                        <p:cTn id="6" dur="9240" fill="hold"/>
+                                        <p:tgtEl>
+                                          <p:spTgt spid="4"/>
+                                        </p:tgtEl>
+                                      </p:cBhvr>
+                                    </p:cmd>
+                                  </p:childTnLst>
+                                </p:cTn>
+                              </p:par>
+                            </p:childTnLst>
+                          </p:cTn>
+                        </p:par>
+                      </p:childTnLst>
+                    </p:cTn>
+                  </p:par>
+                </p:childTnLst>
+              </p:cTn>
+              <p:prevCondLst>
+                <p:cond evt="onPrev" delay="0">
+                  <p:tgtEl>
+                    <p:sldTgt/>
+                  </p:tgtEl>
+                </p:cond>
+              </p:prevCondLst>
+              <p:nextCondLst>
+                <p:cond evt="onNext" delay="0">
+                  <p:tgtEl>
+                    <p:sldTgt/>
+                  </p:tgtEl>
+                </p:cond>
+              </p:nextCondLst>
+            </p:seq>
+            <p:audio>
+              <p:cMediaNode vol="80000" showWhenStopped="0">
+                <p:cTn id="7" fill="hold" display="0">
+                  <p:stCondLst>
+                    <p:cond delay="indefinite"/>
+                  </p:stCondLst>
+                  <p:endCondLst>
+                    <p:cond evt="onStopAudio" delay="0">
+                      <p:tgtEl>
+                        <p:sldTgt/>
+                      </p:tgtEl>
+                    </p:cond>
+                  </p:endCondLst>
+                </p:cTn>
+                <p:tgtEl>
+                  <p:spTgt spid="4"/>
+                </p:tgtEl>
+              </p:cMediaNode>
+            </p:audio>
+          </p:childTnLst>
+        </p:cTn>
+      </p:par>
+    </p:tnLst>
+  </p:timing>
 </p:sld>
 </file>
 
@@ -9647,17 +11428,7 @@
                   </a:schemeClr>
                 </a:solidFill>
               </a:rPr>
-              <a:t>Eligible driver’s license and ID holders in the state of </a:t>
-            </a:r>
-            <a:r>
-              <a:rPr lang="en-US" dirty="0" smtClean="0">
-                <a:solidFill>
-                  <a:schemeClr val="accent3">
-                    <a:lumMod val="75000"/>
-                  </a:schemeClr>
-                </a:solidFill>
-              </a:rPr>
-              <a:t>Iowa </a:t>
+              <a:t>Eligible driver’s license and ID holders in the state of Iowa </a:t>
             </a:r>
           </a:p>
           <a:p>
@@ -10375,41 +12146,117 @@
           <a:bodyPr/>
           <a:lstStyle/>
           <a:p>
-            <a:pPr algn="ctr"/>
-            <a:r>
-              <a:rPr lang="en-US" dirty="0" smtClean="0">
+            <a:r>
+              <a:rPr lang="en-US" smtClean="0"/>
+              <a:t>Project Phases</a:t>
+            </a:r>
+            <a:endParaRPr lang="en-US" dirty="0"/>
+          </a:p>
+        </p:txBody>
+      </p:sp>
+      <p:sp>
+        <p:nvSpPr>
+          <p:cNvPr id="3" name="Content Placeholder 2"/>
+          <p:cNvSpPr>
+            <a:spLocks noGrp="1"/>
+          </p:cNvSpPr>
+          <p:nvPr>
+            <p:ph idx="1"/>
+          </p:nvPr>
+        </p:nvSpPr>
+        <p:spPr/>
+        <p:txBody>
+          <a:bodyPr>
+            <a:normAutofit/>
+          </a:bodyPr>
+          <a:lstStyle/>
+          <a:p>
+            <a:r>
+              <a:rPr lang="en-US" dirty="0">
                 <a:solidFill>
                   <a:schemeClr val="accent3">
-                    <a:lumMod val="50000"/>
+                    <a:lumMod val="75000"/>
                   </a:schemeClr>
                 </a:solidFill>
               </a:rPr>
-              <a:t>Project Concept</a:t>
-            </a:r>
-            <a:endParaRPr lang="en-US" dirty="0">
+              <a:t>Phase I</a:t>
+            </a:r>
+          </a:p>
+          <a:p>
+            <a:pPr marL="742950" lvl="2" indent="-342900"/>
+            <a:r>
+              <a:rPr lang="en-US" sz="2200" dirty="0" smtClean="0">
+                <a:solidFill>
+                  <a:schemeClr val="accent3">
+                    <a:lumMod val="75000"/>
+                  </a:schemeClr>
+                </a:solidFill>
+              </a:rPr>
+              <a:t>Allow users to capture video and upload photos</a:t>
+            </a:r>
+            <a:endParaRPr lang="en-US" sz="2200" dirty="0">
               <a:solidFill>
                 <a:schemeClr val="accent3">
-                  <a:lumMod val="50000"/>
+                  <a:lumMod val="75000"/>
                 </a:schemeClr>
               </a:solidFill>
             </a:endParaRPr>
           </a:p>
-        </p:txBody>
-      </p:sp>
-      <p:sp>
-        <p:nvSpPr>
-          <p:cNvPr id="3" name="Content Placeholder 2"/>
-          <p:cNvSpPr>
-            <a:spLocks noGrp="1"/>
-          </p:cNvSpPr>
-          <p:nvPr>
-            <p:ph idx="1"/>
-          </p:nvPr>
-        </p:nvSpPr>
-        <p:spPr/>
-        <p:txBody>
-          <a:bodyPr/>
-          <a:lstStyle/>
+          <a:p>
+            <a:r>
+              <a:rPr lang="en-US" dirty="0">
+                <a:solidFill>
+                  <a:schemeClr val="accent3">
+                    <a:lumMod val="75000"/>
+                  </a:schemeClr>
+                </a:solidFill>
+              </a:rPr>
+              <a:t>Phase II</a:t>
+            </a:r>
+          </a:p>
+          <a:p>
+            <a:pPr marL="742950" lvl="2" indent="-342900"/>
+            <a:r>
+              <a:rPr lang="en-US" sz="2200" dirty="0">
+                <a:solidFill>
+                  <a:schemeClr val="accent3">
+                    <a:lumMod val="75000"/>
+                  </a:schemeClr>
+                </a:solidFill>
+              </a:rPr>
+              <a:t>Remove </a:t>
+            </a:r>
+            <a:r>
+              <a:rPr lang="en-US" sz="2200" dirty="0" smtClean="0">
+                <a:solidFill>
+                  <a:schemeClr val="accent3">
+                    <a:lumMod val="75000"/>
+                  </a:schemeClr>
+                </a:solidFill>
+              </a:rPr>
+              <a:t>and </a:t>
+            </a:r>
+            <a:r>
+              <a:rPr lang="en-US" sz="2200" dirty="0">
+                <a:solidFill>
+                  <a:schemeClr val="accent3">
+                    <a:lumMod val="75000"/>
+                  </a:schemeClr>
+                </a:solidFill>
+              </a:rPr>
+              <a:t>replace </a:t>
+            </a:r>
+            <a:r>
+              <a:rPr lang="en-US" sz="2200" dirty="0" smtClean="0">
+                <a:solidFill>
+                  <a:schemeClr val="accent3">
+                    <a:lumMod val="75000"/>
+                  </a:schemeClr>
+                </a:solidFill>
+              </a:rPr>
+              <a:t>background</a:t>
+            </a:r>
+          </a:p>
           <a:p>
             <a:r>
               <a:rPr lang="en-US" dirty="0" smtClean="0">
@@ -10419,21 +12266,42 @@
                   </a:schemeClr>
                 </a:solidFill>
               </a:rPr>
-              <a:t>C++</a:t>
-            </a:r>
-          </a:p>
-          <a:p>
-            <a:r>
-              <a:rPr lang="en-US" dirty="0" err="1" smtClean="0">
+              <a:t>Phase III</a:t>
+            </a:r>
+          </a:p>
+          <a:p>
+            <a:pPr marL="742950" lvl="2" indent="-342900"/>
+            <a:r>
+              <a:rPr lang="en-US" sz="2200" dirty="0" smtClean="0">
                 <a:solidFill>
                   <a:schemeClr val="accent3">
                     <a:lumMod val="75000"/>
                   </a:schemeClr>
                 </a:solidFill>
               </a:rPr>
-              <a:t>OpenCV</a:t>
-            </a:r>
-            <a:endParaRPr lang="en-US" dirty="0" smtClean="0">
+              <a:t>Integrate virtual backdrop into an </a:t>
+            </a:r>
+            <a:r>
+              <a:rPr lang="en-US" sz="2200" dirty="0">
+                <a:solidFill>
+                  <a:schemeClr val="accent3">
+                    <a:lumMod val="75000"/>
+                  </a:schemeClr>
+                </a:solidFill>
+              </a:rPr>
+              <a:t>Android </a:t>
+            </a:r>
+            <a:r>
+              <a:rPr lang="en-US" sz="2200" dirty="0" smtClean="0">
+                <a:solidFill>
+                  <a:schemeClr val="accent3">
+                    <a:lumMod val="75000"/>
+                  </a:schemeClr>
+                </a:solidFill>
+              </a:rPr>
+              <a:t>application</a:t>
+            </a:r>
+            <a:endParaRPr lang="en-US" sz="2200" dirty="0">
               <a:solidFill>
                 <a:schemeClr val="accent3">
                   <a:lumMod val="75000"/>
@@ -10443,34 +12311,401 @@
           </a:p>
           <a:p>
             <a:r>
-              <a:rPr lang="en-US" dirty="0" smtClean="0">
+              <a:rPr lang="en-US" dirty="0">
                 <a:solidFill>
                   <a:schemeClr val="accent3">
                     <a:lumMod val="75000"/>
                   </a:schemeClr>
                 </a:solidFill>
               </a:rPr>
-              <a:t>Android app</a:t>
-            </a:r>
-            <a:endParaRPr lang="en-US" dirty="0">
-              <a:solidFill>
-                <a:schemeClr val="accent3">
-                  <a:lumMod val="75000"/>
-                </a:schemeClr>
-              </a:solidFill>
-            </a:endParaRPr>
-          </a:p>
-        </p:txBody>
-      </p:sp>
+              <a:t>Phase IV</a:t>
+            </a:r>
+          </a:p>
+          <a:p>
+            <a:pPr marL="742950" lvl="2" indent="-342900"/>
+            <a:r>
+              <a:rPr lang="en-US" sz="2200" dirty="0">
+                <a:solidFill>
+                  <a:schemeClr val="accent3">
+                    <a:lumMod val="75000"/>
+                  </a:schemeClr>
+                </a:solidFill>
+              </a:rPr>
+              <a:t>Add ICAO requirement checks</a:t>
+            </a:r>
+          </a:p>
+        </p:txBody>
+      </p:sp>
+      <p:pic>
+        <p:nvPicPr>
+          <p:cNvPr id="1027" name="Picture 3"/>
+          <p:cNvPicPr>
+            <a:picLocks noChangeAspect="1" noChangeArrowheads="1"/>
+          </p:cNvPicPr>
+          <p:nvPr/>
+        </p:nvPicPr>
+        <p:blipFill>
+          <a:blip r:embed="rId5">
+            <a:extLst>
+              <a:ext uri="{28A0092B-C50C-407E-A947-70E740481C1C}">
+                <a14:useLocalDpi xmlns:a14="http://schemas.microsoft.com/office/drawing/2010/main" val="0"/>
+              </a:ext>
+            </a:extLst>
+          </a:blip>
+          <a:srcRect/>
+          <a:stretch>
+            <a:fillRect/>
+          </a:stretch>
+        </p:blipFill>
+        <p:spPr bwMode="auto">
+          <a:xfrm>
+            <a:off x="5181600" y="4343400"/>
+            <a:ext cx="3329940" cy="1752600"/>
+          </a:xfrm>
+          <a:prstGeom prst="rect">
+            <a:avLst/>
+          </a:prstGeom>
+          <a:noFill/>
+          <a:ln>
+            <a:noFill/>
+          </a:ln>
+          <a:effectLst/>
+          <a:extLst>
+            <a:ext uri="{909E8E84-426E-40DD-AFC4-6F175D3DCCD1}">
+              <a14:hiddenFill xmlns:a14="http://schemas.microsoft.com/office/drawing/2010/main">
+                <a:solidFill>
+                  <a:schemeClr val="accent1"/>
+                </a:solidFill>
+              </a14:hiddenFill>
+            </a:ext>
+            <a:ext uri="{91240B29-F687-4F45-9708-019B960494DF}">
+              <a14:hiddenLine xmlns:a14="http://schemas.microsoft.com/office/drawing/2010/main" w="9525">
+                <a:solidFill>
+                  <a:schemeClr val="tx1"/>
+                </a:solidFill>
+                <a:miter lim="800000"/>
+                <a:headEnd/>
+                <a:tailEnd/>
+              </a14:hiddenLine>
+            </a:ext>
+            <a:ext uri="{AF507438-7753-43E0-B8FC-AC1667EBCBE1}">
+              <a14:hiddenEffects xmlns:a14="http://schemas.microsoft.com/office/drawing/2010/main">
+                <a:effectLst>
+                  <a:outerShdw dist="35921" dir="2700000" algn="ctr" rotWithShape="0">
+                    <a:schemeClr val="bg2"/>
+                  </a:outerShdw>
+                </a:effectLst>
+              </a14:hiddenEffects>
+            </a:ext>
+          </a:extLst>
+        </p:spPr>
+      </p:pic>
+      <p:pic>
+        <p:nvPicPr>
+          <p:cNvPr id="7" name="Recorded Sound">
+            <a:hlinkClick r:id="" action="ppaction://media"/>
+          </p:cNvPr>
+          <p:cNvPicPr>
+            <a:picLocks noChangeAspect="1"/>
+          </p:cNvPicPr>
+          <p:nvPr>
+            <a:audioFile r:link="rId2"/>
+            <p:extLst>
+              <p:ext uri="{DAA4B4D4-6D71-4841-9C94-3DE7FCFB9230}">
+                <p14:media xmlns:p14="http://schemas.microsoft.com/office/powerpoint/2010/main" r:embed="rId1"/>
+              </p:ext>
+            </p:extLst>
+          </p:nvPr>
+        </p:nvPicPr>
+        <p:blipFill>
+          <a:blip r:embed="rId6"/>
+          <a:stretch>
+            <a:fillRect/>
+          </a:stretch>
+        </p:blipFill>
+        <p:spPr>
+          <a:xfrm>
+            <a:off x="4327525" y="3184525"/>
+            <a:ext cx="487363" cy="487363"/>
+          </a:xfrm>
+          <a:prstGeom prst="rect">
+            <a:avLst/>
+          </a:prstGeom>
+        </p:spPr>
+      </p:pic>
+      <p:grpSp>
+        <p:nvGrpSpPr>
+          <p:cNvPr id="13" name="Group 12"/>
+          <p:cNvGrpSpPr/>
+          <p:nvPr/>
+        </p:nvGrpSpPr>
+        <p:grpSpPr>
+          <a:xfrm>
+            <a:off x="7040881" y="919955"/>
+            <a:ext cx="1500187" cy="2416334"/>
+            <a:chOff x="7040881" y="919955"/>
+            <a:chExt cx="1500187" cy="2416334"/>
+          </a:xfrm>
+        </p:grpSpPr>
+        <p:pic>
+          <p:nvPicPr>
+            <p:cNvPr id="1028" name="Picture 4"/>
+            <p:cNvPicPr>
+              <a:picLocks noChangeAspect="1" noChangeArrowheads="1"/>
+            </p:cNvPicPr>
+            <p:nvPr/>
+          </p:nvPicPr>
+          <p:blipFill>
+            <a:blip r:embed="rId7">
+              <a:extLst>
+                <a:ext uri="{28A0092B-C50C-407E-A947-70E740481C1C}">
+                  <a14:useLocalDpi xmlns:a14="http://schemas.microsoft.com/office/drawing/2010/main" val="0"/>
+                </a:ext>
+              </a:extLst>
+            </a:blip>
+            <a:srcRect/>
+            <a:stretch>
+              <a:fillRect/>
+            </a:stretch>
+          </p:blipFill>
+          <p:spPr bwMode="auto">
+            <a:xfrm>
+              <a:off x="7040881" y="919955"/>
+              <a:ext cx="1500187" cy="2005013"/>
+            </a:xfrm>
+            <a:prstGeom prst="rect">
+              <a:avLst/>
+            </a:prstGeom>
+            <a:noFill/>
+            <a:ln>
+              <a:noFill/>
+            </a:ln>
+            <a:effectLst/>
+            <a:extLst>
+              <a:ext uri="{909E8E84-426E-40DD-AFC4-6F175D3DCCD1}">
+                <a14:hiddenFill xmlns:a14="http://schemas.microsoft.com/office/drawing/2010/main">
+                  <a:solidFill>
+                    <a:schemeClr val="accent1"/>
+                  </a:solidFill>
+                </a14:hiddenFill>
+              </a:ext>
+              <a:ext uri="{91240B29-F687-4F45-9708-019B960494DF}">
+                <a14:hiddenLine xmlns:a14="http://schemas.microsoft.com/office/drawing/2010/main" w="9525">
+                  <a:solidFill>
+                    <a:schemeClr val="tx1"/>
+                  </a:solidFill>
+                  <a:miter lim="800000"/>
+                  <a:headEnd/>
+                  <a:tailEnd/>
+                </a14:hiddenLine>
+              </a:ext>
+              <a:ext uri="{AF507438-7753-43E0-B8FC-AC1667EBCBE1}">
+                <a14:hiddenEffects xmlns:a14="http://schemas.microsoft.com/office/drawing/2010/main">
+                  <a:effectLst>
+                    <a:outerShdw dist="35921" dir="2700000" algn="ctr" rotWithShape="0">
+                      <a:schemeClr val="bg2"/>
+                    </a:outerShdw>
+                  </a:effectLst>
+                </a14:hiddenEffects>
+              </a:ext>
+            </a:extLst>
+          </p:spPr>
+        </p:pic>
+        <p:sp>
+          <p:nvSpPr>
+            <p:cNvPr id="12" name="TextBox 11"/>
+            <p:cNvSpPr txBox="1"/>
+            <p:nvPr/>
+          </p:nvSpPr>
+          <p:spPr>
+            <a:xfrm>
+              <a:off x="7040881" y="2966957"/>
+              <a:ext cx="1500187" cy="369332"/>
+            </a:xfrm>
+            <a:prstGeom prst="rect">
+              <a:avLst/>
+            </a:prstGeom>
+            <a:noFill/>
+          </p:spPr>
+          <p:txBody>
+            <a:bodyPr wrap="square" rtlCol="0">
+              <a:spAutoFit/>
+            </a:bodyPr>
+            <a:lstStyle/>
+            <a:p>
+              <a:r>
+                <a:rPr lang="en-US" dirty="0" smtClean="0"/>
+                <a:t>Brian Schulte</a:t>
+              </a:r>
+              <a:endParaRPr lang="en-US" dirty="0"/>
+            </a:p>
+          </p:txBody>
+        </p:sp>
+      </p:grpSp>
     </p:spTree>
+    <p:extLst>
+      <p:ext uri="{BB962C8B-B14F-4D97-AF65-F5344CB8AC3E}">
+        <p14:creationId xmlns:p14="http://schemas.microsoft.com/office/powerpoint/2010/main" val="4256640902"/>
+      </p:ext>
+    </p:extLst>
   </p:cSld>
   <p:clrMapOvr>
     <a:masterClrMapping/>
   </p:clrMapOvr>
+  <mc:AlternateContent xmlns:mc="http://schemas.openxmlformats.org/markup-compatibility/2006">
+    <mc:Choice xmlns:p14="http://schemas.microsoft.com/office/powerpoint/2010/main" Requires="p14">
+      <p:transition spd="slow" p14:dur="2000" advTm="99000"/>
+    </mc:Choice>
+    <mc:Fallback>
+      <p:transition spd="slow" advTm="99000"/>
+    </mc:Fallback>
+  </mc:AlternateContent>
   <p:timing>
     <p:tnLst>
       <p:par>
-        <p:cTn id="1" dur="indefinite" restart="never" nodeType="tmRoot"/>
+        <p:cTn id="1" dur="indefinite" restart="never" nodeType="tmRoot">
+          <p:childTnLst>
+            <p:seq concurrent="1" nextAc="seek">
+              <p:cTn id="2" dur="indefinite" nodeType="mainSeq">
+                <p:childTnLst>
+                  <p:par>
+                    <p:cTn id="3" fill="hold">
+                      <p:stCondLst>
+                        <p:cond delay="indefinite"/>
+                        <p:cond evt="onBegin" delay="0">
+                          <p:tn val="2"/>
+                        </p:cond>
+                      </p:stCondLst>
+                      <p:childTnLst>
+                        <p:par>
+                          <p:cTn id="4" fill="hold">
+                            <p:stCondLst>
+                              <p:cond delay="0"/>
+                            </p:stCondLst>
+                            <p:childTnLst>
+                              <p:par>
+                                <p:cTn id="5" presetID="1" presetClass="mediacall" presetSubtype="0" fill="hold" nodeType="afterEffect">
+                                  <p:stCondLst>
+                                    <p:cond delay="0"/>
+                                  </p:stCondLst>
+                                  <p:childTnLst>
+                                    <p:cmd type="call" cmd="playFrom(0.0)">
+                                      <p:cBhvr>
+                                        <p:cTn id="6" dur="97620" fill="hold"/>
+                                        <p:tgtEl>
+                                          <p:spTgt spid="7"/>
+                                        </p:tgtEl>
+                                      </p:cBhvr>
+                                    </p:cmd>
+                                  </p:childTnLst>
+                                </p:cTn>
+                              </p:par>
+                              <p:par>
+                                <p:cTn id="7" presetID="1" presetClass="entr" presetSubtype="0" fill="hold" nodeType="withEffect">
+                                  <p:stCondLst>
+                                    <p:cond delay="0"/>
+                                  </p:stCondLst>
+                                  <p:childTnLst>
+                                    <p:set>
+                                      <p:cBhvr>
+                                        <p:cTn id="8" dur="1" fill="hold">
+                                          <p:stCondLst>
+                                            <p:cond delay="2249"/>
+                                          </p:stCondLst>
+                                        </p:cTn>
+                                        <p:tgtEl>
+                                          <p:spTgt spid="13"/>
+                                        </p:tgtEl>
+                                        <p:attrNameLst>
+                                          <p:attrName>style.visibility</p:attrName>
+                                        </p:attrNameLst>
+                                      </p:cBhvr>
+                                      <p:to>
+                                        <p:strVal val="visible"/>
+                                      </p:to>
+                                    </p:set>
+                                  </p:childTnLst>
+                                </p:cTn>
+                              </p:par>
+                              <p:par>
+                                <p:cTn id="9" presetID="10" presetClass="exit" presetSubtype="0" fill="hold" nodeType="withEffect">
+                                  <p:stCondLst>
+                                    <p:cond delay="4250"/>
+                                  </p:stCondLst>
+                                  <p:childTnLst>
+                                    <p:animEffect transition="out" filter="fade">
+                                      <p:cBhvr>
+                                        <p:cTn id="10" dur="2000"/>
+                                        <p:tgtEl>
+                                          <p:spTgt spid="13"/>
+                                        </p:tgtEl>
+                                      </p:cBhvr>
+                                    </p:animEffect>
+                                    <p:set>
+                                      <p:cBhvr>
+                                        <p:cTn id="11" dur="1" fill="hold">
+                                          <p:stCondLst>
+                                            <p:cond delay="1999"/>
+                                          </p:stCondLst>
+                                        </p:cTn>
+                                        <p:tgtEl>
+                                          <p:spTgt spid="13"/>
+                                        </p:tgtEl>
+                                        <p:attrNameLst>
+                                          <p:attrName>style.visibility</p:attrName>
+                                        </p:attrNameLst>
+                                      </p:cBhvr>
+                                      <p:to>
+                                        <p:strVal val="hidden"/>
+                                      </p:to>
+                                    </p:set>
+                                  </p:childTnLst>
+                                </p:cTn>
+                              </p:par>
+                            </p:childTnLst>
+                          </p:cTn>
+                        </p:par>
+                      </p:childTnLst>
+                    </p:cTn>
+                  </p:par>
+                </p:childTnLst>
+              </p:cTn>
+              <p:prevCondLst>
+                <p:cond evt="onPrev" delay="0">
+                  <p:tgtEl>
+                    <p:sldTgt/>
+                  </p:tgtEl>
+                </p:cond>
+              </p:prevCondLst>
+              <p:nextCondLst>
+                <p:cond evt="onNext" delay="0">
+                  <p:tgtEl>
+                    <p:sldTgt/>
+                  </p:tgtEl>
+                </p:cond>
+              </p:nextCondLst>
+            </p:seq>
+            <p:audio>
+              <p:cMediaNode vol="80000" showWhenStopped="0">
+                <p:cTn id="12" fill="hold" display="0">
+                  <p:stCondLst>
+                    <p:cond delay="indefinite"/>
+                  </p:stCondLst>
+                  <p:endCondLst>
+                    <p:cond evt="onStopAudio" delay="0">
+                      <p:tgtEl>
+                        <p:sldTgt/>
+                      </p:tgtEl>
+                    </p:cond>
+                  </p:endCondLst>
+                </p:cTn>
+                <p:tgtEl>
+                  <p:spTgt spid="7"/>
+                </p:tgtEl>
+              </p:cMediaNode>
+            </p:audio>
+          </p:childTnLst>
+        </p:cTn>
       </p:par>
     </p:tnLst>
   </p:timing>
@@ -11118,6 +13353,291 @@
         <a:font script="Mong" typeface="Mongolian Baiti"/>
         <a:font script="Viet" typeface="Times New Roman"/>
         <a:font script="Uigh" typeface="Microsoft Uighur"/>
+        <a:font script="Geor" typeface="Sylfaen"/>
+      </a:majorFont>
+      <a:minorFont>
+        <a:latin typeface="Calibri"/>
+        <a:ea typeface=""/>
+        <a:cs typeface=""/>
+        <a:font script="Jpan" typeface="ＭＳ Ｐゴシック"/>
+        <a:font script="Hang" typeface="맑은 고딕"/>
+        <a:font script="Hans" typeface="宋体"/>
+        <a:font script="Hant" typeface="新細明體"/>
+        <a:font script="Arab" typeface="Arial"/>
+        <a:font script="Hebr" typeface="Arial"/>
+        <a:font script="Thai" typeface="Cordia New"/>
+        <a:font script="Ethi" typeface="Nyala"/>
+        <a:font script="Beng" typeface="Vrinda"/>
+        <a:font script="Gujr" typeface="Shruti"/>
+        <a:font script="Khmr" typeface="DaunPenh"/>
+        <a:font script="Knda" typeface="Tunga"/>
+        <a:font script="Guru" typeface="Raavi"/>
+        <a:font script="Cans" typeface="Euphemia"/>
+        <a:font script="Cher" typeface="Plantagenet Cherokee"/>
+        <a:font script="Yiii" typeface="Microsoft Yi Baiti"/>
+        <a:font script="Tibt" typeface="Microsoft Himalaya"/>
+        <a:font script="Thaa" typeface="MV Boli"/>
+        <a:font script="Deva" typeface="Mangal"/>
+        <a:font script="Telu" typeface="Gautami"/>
+        <a:font script="Taml" typeface="Latha"/>
+        <a:font script="Syrc" typeface="Estrangelo Edessa"/>
+        <a:font script="Orya" typeface="Kalinga"/>
+        <a:font script="Mlym" typeface="Kartika"/>
+        <a:font script="Laoo" typeface="DokChampa"/>
+        <a:font script="Sinh" typeface="Iskoola Pota"/>
+        <a:font script="Mong" typeface="Mongolian Baiti"/>
+        <a:font script="Viet" typeface="Arial"/>
+        <a:font script="Uigh" typeface="Microsoft Uighur"/>
+        <a:font script="Geor" typeface="Sylfaen"/>
+      </a:minorFont>
+    </a:fontScheme>
+    <a:fmtScheme name="Office">
+      <a:fillStyleLst>
+        <a:solidFill>
+          <a:schemeClr val="phClr"/>
+        </a:solidFill>
+        <a:gradFill rotWithShape="1">
+          <a:gsLst>
+            <a:gs pos="0">
+              <a:schemeClr val="phClr">
+                <a:tint val="50000"/>
+                <a:satMod val="300000"/>
+              </a:schemeClr>
+            </a:gs>
+            <a:gs pos="35000">
+              <a:schemeClr val="phClr">
+                <a:tint val="37000"/>
+                <a:satMod val="300000"/>
+              </a:schemeClr>
+            </a:gs>
+            <a:gs pos="100000">
+              <a:schemeClr val="phClr">
+                <a:tint val="15000"/>
+                <a:satMod val="350000"/>
+              </a:schemeClr>
+            </a:gs>
+          </a:gsLst>
+          <a:lin ang="16200000" scaled="1"/>
+        </a:gradFill>
+        <a:gradFill rotWithShape="1">
+          <a:gsLst>
+            <a:gs pos="0">
+              <a:schemeClr val="phClr">
+                <a:shade val="51000"/>
+                <a:satMod val="130000"/>
+              </a:schemeClr>
+            </a:gs>
+            <a:gs pos="80000">
+              <a:schemeClr val="phClr">
+                <a:shade val="93000"/>
+                <a:satMod val="130000"/>
+              </a:schemeClr>
+            </a:gs>
+            <a:gs pos="100000">
+              <a:schemeClr val="phClr">
+                <a:shade val="94000"/>
+                <a:satMod val="135000"/>
+              </a:schemeClr>
+            </a:gs>
+          </a:gsLst>
+          <a:lin ang="16200000" scaled="0"/>
+        </a:gradFill>
+      </a:fillStyleLst>
+      <a:lnStyleLst>
+        <a:ln w="9525" cap="flat" cmpd="sng" algn="ctr">
+          <a:solidFill>
+            <a:schemeClr val="phClr">
+              <a:shade val="95000"/>
+              <a:satMod val="105000"/>
+            </a:schemeClr>
+          </a:solidFill>
+          <a:prstDash val="solid"/>
+        </a:ln>
+        <a:ln w="25400" cap="flat" cmpd="sng" algn="ctr">
+          <a:solidFill>
+            <a:schemeClr val="phClr"/>
+          </a:solidFill>
+          <a:prstDash val="solid"/>
+        </a:ln>
+        <a:ln w="38100" cap="flat" cmpd="sng" algn="ctr">
+          <a:solidFill>
+            <a:schemeClr val="phClr"/>
+          </a:solidFill>
+          <a:prstDash val="solid"/>
+        </a:ln>
+      </a:lnStyleLst>
+      <a:effectStyleLst>
+        <a:effectStyle>
+          <a:effectLst>
+            <a:outerShdw blurRad="40000" dist="20000" dir="5400000" rotWithShape="0">
+              <a:srgbClr val="000000">
+                <a:alpha val="38000"/>
+              </a:srgbClr>
+            </a:outerShdw>
+          </a:effectLst>
+        </a:effectStyle>
+        <a:effectStyle>
+          <a:effectLst>
+            <a:outerShdw blurRad="40000" dist="23000" dir="5400000" rotWithShape="0">
+              <a:srgbClr val="000000">
+                <a:alpha val="35000"/>
+              </a:srgbClr>
+            </a:outerShdw>
+          </a:effectLst>
+        </a:effectStyle>
+        <a:effectStyle>
+          <a:effectLst>
+            <a:outerShdw blurRad="40000" dist="23000" dir="5400000" rotWithShape="0">
+              <a:srgbClr val="000000">
+                <a:alpha val="35000"/>
+              </a:srgbClr>
+            </a:outerShdw>
+          </a:effectLst>
+          <a:scene3d>
+            <a:camera prst="orthographicFront">
+              <a:rot lat="0" lon="0" rev="0"/>
+            </a:camera>
+            <a:lightRig rig="threePt" dir="t">
+              <a:rot lat="0" lon="0" rev="1200000"/>
+            </a:lightRig>
+          </a:scene3d>
+          <a:sp3d>
+            <a:bevelT w="63500" h="25400"/>
+          </a:sp3d>
+        </a:effectStyle>
+      </a:effectStyleLst>
+      <a:bgFillStyleLst>
+        <a:solidFill>
+          <a:schemeClr val="phClr"/>
+        </a:solidFill>
+        <a:gradFill rotWithShape="1">
+          <a:gsLst>
+            <a:gs pos="0">
+              <a:schemeClr val="phClr">
+                <a:tint val="40000"/>
+                <a:satMod val="350000"/>
+              </a:schemeClr>
+            </a:gs>
+            <a:gs pos="40000">
+              <a:schemeClr val="phClr">
+                <a:tint val="45000"/>
+                <a:shade val="99000"/>
+                <a:satMod val="350000"/>
+              </a:schemeClr>
+            </a:gs>
+            <a:gs pos="100000">
+              <a:schemeClr val="phClr">
+                <a:shade val="20000"/>
+                <a:satMod val="255000"/>
+              </a:schemeClr>
+            </a:gs>
+          </a:gsLst>
+          <a:path path="circle">
+            <a:fillToRect l="50000" t="-80000" r="50000" b="180000"/>
+          </a:path>
+        </a:gradFill>
+        <a:gradFill rotWithShape="1">
+          <a:gsLst>
+            <a:gs pos="0">
+              <a:schemeClr val="phClr">
+                <a:tint val="80000"/>
+                <a:satMod val="300000"/>
+              </a:schemeClr>
+            </a:gs>
+            <a:gs pos="100000">
+              <a:schemeClr val="phClr">
+                <a:shade val="30000"/>
+                <a:satMod val="200000"/>
+              </a:schemeClr>
+            </a:gs>
+          </a:gsLst>
+          <a:path path="circle">
+            <a:fillToRect l="50000" t="50000" r="50000" b="50000"/>
+          </a:path>
+        </a:gradFill>
+      </a:bgFillStyleLst>
+    </a:fmtScheme>
+  </a:themeElements>
+  <a:objectDefaults/>
+  <a:extraClrSchemeLst/>
+</a:theme>
+</file>
+
+<file path=ppt/theme/theme4.xml><?xml version="1.0" encoding="utf-8"?>
+<a:theme xmlns:a="http://schemas.openxmlformats.org/drawingml/2006/main" name="Office Theme">
+  <a:themeElements>
+    <a:clrScheme name="Office">
+      <a:dk1>
+        <a:sysClr val="windowText" lastClr="000000"/>
+      </a:dk1>
+      <a:lt1>
+        <a:sysClr val="window" lastClr="FFFFFF"/>
+      </a:lt1>
+      <a:dk2>
+        <a:srgbClr val="1F497D"/>
+      </a:dk2>
+      <a:lt2>
+        <a:srgbClr val="EEECE1"/>
+      </a:lt2>
+      <a:accent1>
+        <a:srgbClr val="4F81BD"/>
+      </a:accent1>
+      <a:accent2>
+        <a:srgbClr val="C0504D"/>
+      </a:accent2>
+      <a:accent3>
+        <a:srgbClr val="9BBB59"/>
+      </a:accent3>
+      <a:accent4>
+        <a:srgbClr val="8064A2"/>
+      </a:accent4>
+      <a:accent5>
+        <a:srgbClr val="4BACC6"/>
+      </a:accent5>
+      <a:accent6>
+        <a:srgbClr val="F79646"/>
+      </a:accent6>
+      <a:hlink>
+        <a:srgbClr val="0000FF"/>
+      </a:hlink>
+      <a:folHlink>
+        <a:srgbClr val="800080"/>
+      </a:folHlink>
+    </a:clrScheme>
+    <a:fontScheme name="Office">
+      <a:majorFont>
+        <a:latin typeface="Calibri"/>
+        <a:ea typeface=""/>
+        <a:cs typeface=""/>
+        <a:font script="Jpan" typeface="ＭＳ Ｐゴシック"/>
+        <a:font script="Hang" typeface="맑은 고딕"/>
+        <a:font script="Hans" typeface="宋体"/>
+        <a:font script="Hant" typeface="新細明體"/>
+        <a:font script="Arab" typeface="Times New Roman"/>
+        <a:font script="Hebr" typeface="Times New Roman"/>
+        <a:font script="Thai" typeface="Angsana New"/>
+        <a:font script="Ethi" typeface="Nyala"/>
+        <a:font script="Beng" typeface="Vrinda"/>
+        <a:font script="Gujr" typeface="Shruti"/>
+        <a:font script="Khmr" typeface="MoolBoran"/>
+        <a:font script="Knda" typeface="Tunga"/>
+        <a:font script="Guru" typeface="Raavi"/>
+        <a:font script="Cans" typeface="Euphemia"/>
+        <a:font script="Cher" typeface="Plantagenet Cherokee"/>
+        <a:font script="Yiii" typeface="Microsoft Yi Baiti"/>
+        <a:font script="Tibt" typeface="Microsoft Himalaya"/>
+        <a:font script="Thaa" typeface="MV Boli"/>
+        <a:font script="Deva" typeface="Mangal"/>
+        <a:font script="Telu" typeface="Gautami"/>
+        <a:font script="Taml" typeface="Latha"/>
+        <a:font script="Syrc" typeface="Estrangelo Edessa"/>
+        <a:font script="Orya" typeface="Kalinga"/>
+        <a:font script="Mlym" typeface="Kartika"/>
+        <a:font script="Laoo" typeface="DokChampa"/>
+        <a:font script="Sinh" typeface="Iskoola Pota"/>
+        <a:font script="Mong" typeface="Mongolian Baiti"/>
+        <a:font script="Viet" typeface="Times New Roman"/>
+        <a:font script="Uigh" typeface="Microsoft Uighur"/>
       </a:majorFont>
       <a:minorFont>
         <a:latin typeface="Calibri"/>

--- a/Presentation/Virtual.Backdrop.pptx
+++ b/Presentation/Virtual.Backdrop.pptx
@@ -125,7 +125,7 @@
   </p:defaultTextStyle>
   <p:extLst>
     <p:ext uri="{EFAFB233-063F-42B5-8137-9DF3F51BA10A}">
-      <p15:sldGuideLst xmlns:p15="http://schemas.microsoft.com/office/powerpoint/2012/main" xmlns="">
+      <p15:sldGuideLst xmlns:p15="http://schemas.microsoft.com/office/powerpoint/2012/main">
         <p15:guide id="1" orient="horz" pos="2160">
           <p15:clr>
             <a:srgbClr val="A4A3A4"/>
@@ -139,7 +139,7 @@
       </p15:sldGuideLst>
     </p:ext>
     <p:ext uri="{2D200454-40CA-4A62-9FC3-DE9A4176ACB9}">
-      <p15:notesGuideLst xmlns:p15="http://schemas.microsoft.com/office/powerpoint/2012/main" xmlns="">
+      <p15:notesGuideLst xmlns:p15="http://schemas.microsoft.com/office/powerpoint/2012/main">
         <p15:guide id="1" orient="horz" pos="2880">
           <p15:clr>
             <a:srgbClr val="A4A3A4"/>
@@ -9933,11 +9933,11 @@
   <p:clrMapOvr>
     <a:masterClrMapping/>
   </p:clrMapOvr>
-  <mc:AlternateContent xmlns:mc="http://schemas.openxmlformats.org/markup-compatibility/2006">
-    <mc:Choice xmlns:p14="http://schemas.microsoft.com/office/powerpoint/2010/main" Requires="p14">
+  <mc:AlternateContent xmlns:mc="http://schemas.openxmlformats.org/markup-compatibility/2006" xmlns:p14="http://schemas.microsoft.com/office/powerpoint/2010/main">
+    <mc:Choice Requires="p14">
       <p:transition spd="slow" p14:dur="2000" advTm="26000"/>
     </mc:Choice>
-    <mc:Fallback>
+    <mc:Fallback xmlns="">
       <p:transition spd="slow" advTm="26000"/>
     </mc:Fallback>
   </mc:AlternateContent>
@@ -10262,11 +10262,11 @@
   <p:clrMapOvr>
     <a:masterClrMapping/>
   </p:clrMapOvr>
-  <mc:AlternateContent xmlns:mc="http://schemas.openxmlformats.org/markup-compatibility/2006">
-    <mc:Choice xmlns:p14="http://schemas.microsoft.com/office/powerpoint/2010/main" Requires="p14">
+  <mc:AlternateContent xmlns:mc="http://schemas.openxmlformats.org/markup-compatibility/2006" xmlns:p14="http://schemas.microsoft.com/office/powerpoint/2010/main">
+    <mc:Choice Requires="p14">
       <p:transition spd="slow" p14:dur="2000" advTm="34000"/>
     </mc:Choice>
-    <mc:Fallback>
+    <mc:Fallback xmlns="">
       <p:transition spd="slow" advTm="34000"/>
     </mc:Fallback>
   </mc:AlternateContent>
@@ -10484,17 +10484,7 @@
                   </a:schemeClr>
                 </a:solidFill>
               </a:rPr>
-              <a:t>Hair is not blended into the </a:t>
-            </a:r>
-            <a:r>
-              <a:rPr lang="en-US" dirty="0" smtClean="0">
-                <a:solidFill>
-                  <a:schemeClr val="accent3">
-                    <a:lumMod val="75000"/>
-                  </a:schemeClr>
-                </a:solidFill>
-              </a:rPr>
-              <a:t>background</a:t>
+              <a:t>Hair is not blended into the background</a:t>
             </a:r>
           </a:p>
           <a:p>
@@ -10542,13 +10532,6 @@
               </a:rPr>
               <a:t>Output photo meets ICAO standards</a:t>
             </a:r>
-            <a:endParaRPr lang="en-US" dirty="0" smtClean="0">
-              <a:solidFill>
-                <a:schemeClr val="accent3">
-                  <a:lumMod val="75000"/>
-                </a:schemeClr>
-              </a:solidFill>
-            </a:endParaRPr>
           </a:p>
         </p:txBody>
       </p:sp>
@@ -10623,11 +10606,11 @@
   <p:clrMapOvr>
     <a:masterClrMapping/>
   </p:clrMapOvr>
-  <mc:AlternateContent xmlns:mc="http://schemas.openxmlformats.org/markup-compatibility/2006">
-    <mc:Choice xmlns:p14="http://schemas.microsoft.com/office/powerpoint/2010/main" Requires="p14">
+  <mc:AlternateContent xmlns:mc="http://schemas.openxmlformats.org/markup-compatibility/2006" xmlns:p14="http://schemas.microsoft.com/office/powerpoint/2010/main">
+    <mc:Choice Requires="p14">
       <p:transition spd="slow" p14:dur="2000" advTm="41000"/>
     </mc:Choice>
-    <mc:Fallback>
+    <mc:Fallback xmlns="">
       <p:transition spd="slow" advTm="41000"/>
     </mc:Fallback>
   </mc:AlternateContent>
@@ -10958,11 +10941,11 @@
   <p:clrMapOvr>
     <a:masterClrMapping/>
   </p:clrMapOvr>
-  <mc:AlternateContent xmlns:mc="http://schemas.openxmlformats.org/markup-compatibility/2006">
-    <mc:Choice xmlns:p14="http://schemas.microsoft.com/office/powerpoint/2010/main" Requires="p14">
+  <mc:AlternateContent xmlns:mc="http://schemas.openxmlformats.org/markup-compatibility/2006" xmlns:p14="http://schemas.microsoft.com/office/powerpoint/2010/main">
+    <mc:Choice Requires="p14">
       <p:transition spd="slow" p14:dur="2000" advTm="13000"/>
     </mc:Choice>
-    <mc:Fallback>
+    <mc:Fallback xmlns="">
       <p:transition spd="slow" advTm="13000"/>
     </mc:Fallback>
   </mc:AlternateContent>
@@ -11807,13 +11790,130 @@
                   </a:schemeClr>
                 </a:solidFill>
               </a:rPr>
-              <a:t>Vendor current solution has problems with including subject’s hair in the background</a:t>
+              <a:t>Vendor current solution has problems with including subject’s hair in the </a:t>
+            </a:r>
+            <a:r>
+              <a:rPr lang="en-US" dirty="0" smtClean="0">
+                <a:solidFill>
+                  <a:schemeClr val="accent3">
+                    <a:lumMod val="75000"/>
+                  </a:schemeClr>
+                </a:solidFill>
+              </a:rPr>
+              <a:t>background</a:t>
+            </a:r>
+          </a:p>
+          <a:p>
+            <a:pPr lvl="1"/>
+            <a:r>
+              <a:rPr lang="en-US" dirty="0" smtClean="0">
+                <a:solidFill>
+                  <a:schemeClr val="accent3">
+                    <a:lumMod val="75000"/>
+                  </a:schemeClr>
+                </a:solidFill>
+              </a:rPr>
+              <a:t>Other algorithms don’t appear to remove the whole background</a:t>
+            </a:r>
+          </a:p>
+          <a:p>
+            <a:pPr lvl="1"/>
+            <a:r>
+              <a:rPr lang="en-US" dirty="0" smtClean="0">
+                <a:solidFill>
+                  <a:schemeClr val="accent3">
+                    <a:lumMod val="75000"/>
+                  </a:schemeClr>
+                </a:solidFill>
+              </a:rPr>
+              <a:t>Other algorithm deals with video</a:t>
+            </a:r>
+          </a:p>
+          <a:p>
+            <a:pPr lvl="1"/>
+            <a:r>
+              <a:rPr lang="en-US" dirty="0" smtClean="0">
+                <a:solidFill>
+                  <a:schemeClr val="accent3">
+                    <a:lumMod val="75000"/>
+                  </a:schemeClr>
+                </a:solidFill>
+              </a:rPr>
+              <a:t>Most deal with color matching</a:t>
             </a:r>
             <a:endParaRPr lang="en-US" dirty="0">
               <a:solidFill>
                 <a:schemeClr val="accent3">
                   <a:lumMod val="75000"/>
                 </a:schemeClr>
+              </a:solidFill>
+            </a:endParaRPr>
+          </a:p>
+        </p:txBody>
+      </p:sp>
+      <p:pic>
+        <p:nvPicPr>
+          <p:cNvPr id="4" name="Picture 3"/>
+          <p:cNvPicPr>
+            <a:picLocks noChangeAspect="1"/>
+          </p:cNvPicPr>
+          <p:nvPr/>
+        </p:nvPicPr>
+        <p:blipFill>
+          <a:blip r:embed="rId2" cstate="print">
+            <a:extLst>
+              <a:ext uri="{28A0092B-C50C-407E-A947-70E740481C1C}">
+                <a14:useLocalDpi xmlns:a14="http://schemas.microsoft.com/office/drawing/2010/main" val="0"/>
+              </a:ext>
+            </a:extLst>
+          </a:blip>
+          <a:stretch>
+            <a:fillRect/>
+          </a:stretch>
+        </p:blipFill>
+        <p:spPr>
+          <a:xfrm>
+            <a:off x="228600" y="4038600"/>
+            <a:ext cx="2365515" cy="2362200"/>
+          </a:xfrm>
+          <a:prstGeom prst="rect">
+            <a:avLst/>
+          </a:prstGeom>
+        </p:spPr>
+      </p:pic>
+      <p:sp>
+        <p:nvSpPr>
+          <p:cNvPr id="5" name="TextBox 4"/>
+          <p:cNvSpPr txBox="1"/>
+          <p:nvPr/>
+        </p:nvSpPr>
+        <p:spPr>
+          <a:xfrm>
+            <a:off x="457200" y="6400800"/>
+            <a:ext cx="1550937" cy="369332"/>
+          </a:xfrm>
+          <a:prstGeom prst="rect">
+            <a:avLst/>
+          </a:prstGeom>
+          <a:noFill/>
+        </p:spPr>
+        <p:txBody>
+          <a:bodyPr wrap="none" rtlCol="0">
+            <a:spAutoFit/>
+          </a:bodyPr>
+          <a:lstStyle/>
+          <a:p>
+            <a:r>
+              <a:rPr lang="en-US" dirty="0" smtClean="0">
+                <a:solidFill>
+                  <a:schemeClr val="bg1"/>
+                </a:solidFill>
+              </a:rPr>
+              <a:t>Nichole Dugan</a:t>
+            </a:r>
+            <a:endParaRPr lang="en-US" dirty="0">
+              <a:solidFill>
+                <a:schemeClr val="bg1"/>
               </a:solidFill>
             </a:endParaRPr>
           </a:p>
@@ -11927,8 +12027,157 @@
                   </a:schemeClr>
                 </a:solidFill>
               </a:rPr>
-              <a:t>Patent for virtual backdrop</a:t>
-            </a:r>
+              <a:t>Patent for virtual </a:t>
+            </a:r>
+            <a:r>
+              <a:rPr lang="en-US" dirty="0" smtClean="0">
+                <a:solidFill>
+                  <a:schemeClr val="accent3">
+                    <a:lumMod val="75000"/>
+                  </a:schemeClr>
+                </a:solidFill>
+              </a:rPr>
+              <a:t>backdrop</a:t>
+            </a:r>
+          </a:p>
+          <a:p>
+            <a:r>
+              <a:rPr lang="en-US" dirty="0" err="1">
+                <a:solidFill>
+                  <a:schemeClr val="accent3">
+                    <a:lumMod val="75000"/>
+                  </a:schemeClr>
+                </a:solidFill>
+              </a:rPr>
+              <a:t>Jeong</a:t>
+            </a:r>
+            <a:r>
+              <a:rPr lang="en-US" dirty="0">
+                <a:solidFill>
+                  <a:schemeClr val="accent3">
+                    <a:lumMod val="75000"/>
+                  </a:schemeClr>
+                </a:solidFill>
+              </a:rPr>
+              <a:t>-In Park and </a:t>
+            </a:r>
+            <a:r>
+              <a:rPr lang="en-US" dirty="0" err="1">
+                <a:solidFill>
+                  <a:schemeClr val="accent3">
+                    <a:lumMod val="75000"/>
+                  </a:schemeClr>
+                </a:solidFill>
+              </a:rPr>
+              <a:t>Jin-Tak</a:t>
+            </a:r>
+            <a:r>
+              <a:rPr lang="en-US" dirty="0">
+                <a:solidFill>
+                  <a:schemeClr val="accent3">
+                    <a:lumMod val="75000"/>
+                  </a:schemeClr>
+                </a:solidFill>
+              </a:rPr>
+              <a:t> </a:t>
+            </a:r>
+            <a:r>
+              <a:rPr lang="en-US" dirty="0" smtClean="0">
+                <a:solidFill>
+                  <a:schemeClr val="accent3">
+                    <a:lumMod val="75000"/>
+                  </a:schemeClr>
+                </a:solidFill>
+              </a:rPr>
+              <a:t>Choi, </a:t>
+            </a:r>
+            <a:r>
+              <a:rPr lang="en-US" dirty="0" err="1" smtClean="0">
+                <a:solidFill>
+                  <a:schemeClr val="accent3">
+                    <a:lumMod val="75000"/>
+                  </a:schemeClr>
+                </a:solidFill>
+              </a:rPr>
+              <a:t>Koren</a:t>
+            </a:r>
+            <a:r>
+              <a:rPr lang="en-US" dirty="0" smtClean="0">
+                <a:solidFill>
+                  <a:schemeClr val="accent3">
+                    <a:lumMod val="75000"/>
+                  </a:schemeClr>
+                </a:solidFill>
+              </a:rPr>
+              <a:t> University</a:t>
+            </a:r>
+          </a:p>
+          <a:p>
+            <a:pPr lvl="1"/>
+            <a:r>
+              <a:rPr lang="en-US" dirty="0" smtClean="0">
+                <a:solidFill>
+                  <a:schemeClr val="accent3">
+                    <a:lumMod val="75000"/>
+                  </a:schemeClr>
+                </a:solidFill>
+              </a:rPr>
+              <a:t>Algorithm using a Code Book</a:t>
+            </a:r>
+          </a:p>
+          <a:p>
+            <a:pPr lvl="1"/>
+            <a:r>
+              <a:rPr lang="en-US" dirty="0" smtClean="0">
+                <a:solidFill>
+                  <a:schemeClr val="accent3">
+                    <a:lumMod val="75000"/>
+                  </a:schemeClr>
+                </a:solidFill>
+              </a:rPr>
+              <a:t>Splits image into sections</a:t>
+            </a:r>
+          </a:p>
+          <a:p>
+            <a:r>
+              <a:rPr lang="en-US" dirty="0" smtClean="0">
+                <a:solidFill>
+                  <a:schemeClr val="accent3">
+                    <a:lumMod val="75000"/>
+                  </a:schemeClr>
+                </a:solidFill>
+              </a:rPr>
+              <a:t> Microsoft Research Video Algorithm</a:t>
+            </a:r>
+          </a:p>
+          <a:p>
+            <a:pPr lvl="1"/>
+            <a:r>
+              <a:rPr lang="en-US" dirty="0" smtClean="0">
+                <a:solidFill>
+                  <a:schemeClr val="accent3">
+                    <a:lumMod val="75000"/>
+                  </a:schemeClr>
+                </a:solidFill>
+              </a:rPr>
+              <a:t>Tries to identify foreground and background</a:t>
+            </a:r>
+          </a:p>
+          <a:p>
+            <a:pPr lvl="1"/>
+            <a:r>
+              <a:rPr lang="en-US" dirty="0" smtClean="0">
+                <a:solidFill>
+                  <a:schemeClr val="accent3">
+                    <a:lumMod val="75000"/>
+                  </a:schemeClr>
+                </a:solidFill>
+              </a:rPr>
+              <a:t>Uses color matching to try to determine if a pixel is in the foreground or background</a:t>
+            </a:r>
+          </a:p>
+          <a:p>
+            <a:pPr lvl="1"/>
             <a:endParaRPr lang="en-US" dirty="0">
               <a:solidFill>
                 <a:schemeClr val="accent3">
@@ -12552,11 +12801,11 @@
   <p:clrMapOvr>
     <a:masterClrMapping/>
   </p:clrMapOvr>
-  <mc:AlternateContent xmlns:mc="http://schemas.openxmlformats.org/markup-compatibility/2006">
-    <mc:Choice xmlns:p14="http://schemas.microsoft.com/office/powerpoint/2010/main" Requires="p14">
+  <mc:AlternateContent xmlns:mc="http://schemas.openxmlformats.org/markup-compatibility/2006" xmlns:p14="http://schemas.microsoft.com/office/powerpoint/2010/main">
+    <mc:Choice Requires="p14">
       <p:transition spd="slow" p14:dur="2000" advTm="99000"/>
     </mc:Choice>
-    <mc:Fallback>
+    <mc:Fallback xmlns="">
       <p:transition spd="slow" advTm="99000"/>
     </mc:Fallback>
   </mc:AlternateContent>
